--- a/PowerPointDoAn1.pptx
+++ b/PowerPointDoAn1.pptx
@@ -5,18 +5,19 @@
     <p:sldMasterId id="2147483648" r:id="rId1"/>
   </p:sldMasterIdLst>
   <p:sldIdLst>
-    <p:sldId id="256" r:id="rId2"/>
-    <p:sldId id="257" r:id="rId3"/>
-    <p:sldId id="258" r:id="rId4"/>
-    <p:sldId id="267" r:id="rId5"/>
-    <p:sldId id="259" r:id="rId6"/>
-    <p:sldId id="260" r:id="rId7"/>
-    <p:sldId id="261" r:id="rId8"/>
-    <p:sldId id="262" r:id="rId9"/>
-    <p:sldId id="263" r:id="rId10"/>
-    <p:sldId id="264" r:id="rId11"/>
-    <p:sldId id="265" r:id="rId12"/>
-    <p:sldId id="266" r:id="rId13"/>
+    <p:sldId id="268" r:id="rId2"/>
+    <p:sldId id="256" r:id="rId3"/>
+    <p:sldId id="257" r:id="rId4"/>
+    <p:sldId id="258" r:id="rId5"/>
+    <p:sldId id="267" r:id="rId6"/>
+    <p:sldId id="259" r:id="rId7"/>
+    <p:sldId id="266" r:id="rId8"/>
+    <p:sldId id="260" r:id="rId9"/>
+    <p:sldId id="261" r:id="rId10"/>
+    <p:sldId id="262" r:id="rId11"/>
+    <p:sldId id="263" r:id="rId12"/>
+    <p:sldId id="264" r:id="rId13"/>
+    <p:sldId id="265" r:id="rId14"/>
   </p:sldIdLst>
   <p:sldSz cx="12192000" cy="6858000"/>
   <p:notesSz cx="6858000" cy="9144000"/>
@@ -115,6 +116,11 @@
       </a:defRPr>
     </a:lvl9pPr>
   </p:defaultTextStyle>
+  <p:extLst>
+    <p:ext uri="{EFAFB233-063F-42B5-8137-9DF3F51BA10A}">
+      <p15:sldGuideLst xmlns:p15="http://schemas.microsoft.com/office/powerpoint/2012/main"/>
+    </p:ext>
+  </p:extLst>
 </p:presentation>
 </file>
 
@@ -249,7 +255,7 @@
           <a:p>
             <a:fld id="{D0C66B37-BD58-4DF8-96BF-CB0D67860429}" type="datetimeFigureOut">
               <a:rPr lang="en-US" smtClean="0"/>
-              <a:t>11/8/2019</a:t>
+              <a:t>11/10/2019</a:t>
             </a:fld>
             <a:endParaRPr lang="en-US"/>
           </a:p>
@@ -419,7 +425,7 @@
           <a:p>
             <a:fld id="{D0C66B37-BD58-4DF8-96BF-CB0D67860429}" type="datetimeFigureOut">
               <a:rPr lang="en-US" smtClean="0"/>
-              <a:t>11/8/2019</a:t>
+              <a:t>11/10/2019</a:t>
             </a:fld>
             <a:endParaRPr lang="en-US"/>
           </a:p>
@@ -599,7 +605,7 @@
           <a:p>
             <a:fld id="{D0C66B37-BD58-4DF8-96BF-CB0D67860429}" type="datetimeFigureOut">
               <a:rPr lang="en-US" smtClean="0"/>
-              <a:t>11/8/2019</a:t>
+              <a:t>11/10/2019</a:t>
             </a:fld>
             <a:endParaRPr lang="en-US"/>
           </a:p>
@@ -769,7 +775,7 @@
           <a:p>
             <a:fld id="{D0C66B37-BD58-4DF8-96BF-CB0D67860429}" type="datetimeFigureOut">
               <a:rPr lang="en-US" smtClean="0"/>
-              <a:t>11/8/2019</a:t>
+              <a:t>11/10/2019</a:t>
             </a:fld>
             <a:endParaRPr lang="en-US"/>
           </a:p>
@@ -1015,7 +1021,7 @@
           <a:p>
             <a:fld id="{D0C66B37-BD58-4DF8-96BF-CB0D67860429}" type="datetimeFigureOut">
               <a:rPr lang="en-US" smtClean="0"/>
-              <a:t>11/8/2019</a:t>
+              <a:t>11/10/2019</a:t>
             </a:fld>
             <a:endParaRPr lang="en-US"/>
           </a:p>
@@ -1247,7 +1253,7 @@
           <a:p>
             <a:fld id="{D0C66B37-BD58-4DF8-96BF-CB0D67860429}" type="datetimeFigureOut">
               <a:rPr lang="en-US" smtClean="0"/>
-              <a:t>11/8/2019</a:t>
+              <a:t>11/10/2019</a:t>
             </a:fld>
             <a:endParaRPr lang="en-US"/>
           </a:p>
@@ -1614,7 +1620,7 @@
           <a:p>
             <a:fld id="{D0C66B37-BD58-4DF8-96BF-CB0D67860429}" type="datetimeFigureOut">
               <a:rPr lang="en-US" smtClean="0"/>
-              <a:t>11/8/2019</a:t>
+              <a:t>11/10/2019</a:t>
             </a:fld>
             <a:endParaRPr lang="en-US"/>
           </a:p>
@@ -1732,7 +1738,7 @@
           <a:p>
             <a:fld id="{D0C66B37-BD58-4DF8-96BF-CB0D67860429}" type="datetimeFigureOut">
               <a:rPr lang="en-US" smtClean="0"/>
-              <a:t>11/8/2019</a:t>
+              <a:t>11/10/2019</a:t>
             </a:fld>
             <a:endParaRPr lang="en-US"/>
           </a:p>
@@ -1827,7 +1833,7 @@
           <a:p>
             <a:fld id="{D0C66B37-BD58-4DF8-96BF-CB0D67860429}" type="datetimeFigureOut">
               <a:rPr lang="en-US" smtClean="0"/>
-              <a:t>11/8/2019</a:t>
+              <a:t>11/10/2019</a:t>
             </a:fld>
             <a:endParaRPr lang="en-US"/>
           </a:p>
@@ -2104,7 +2110,7 @@
           <a:p>
             <a:fld id="{D0C66B37-BD58-4DF8-96BF-CB0D67860429}" type="datetimeFigureOut">
               <a:rPr lang="en-US" smtClean="0"/>
-              <a:t>11/8/2019</a:t>
+              <a:t>11/10/2019</a:t>
             </a:fld>
             <a:endParaRPr lang="en-US"/>
           </a:p>
@@ -2357,7 +2363,7 @@
           <a:p>
             <a:fld id="{D0C66B37-BD58-4DF8-96BF-CB0D67860429}" type="datetimeFigureOut">
               <a:rPr lang="en-US" smtClean="0"/>
-              <a:t>11/8/2019</a:t>
+              <a:t>11/10/2019</a:t>
             </a:fld>
             <a:endParaRPr lang="en-US"/>
           </a:p>
@@ -2570,7 +2576,7 @@
           <a:p>
             <a:fld id="{D0C66B37-BD58-4DF8-96BF-CB0D67860429}" type="datetimeFigureOut">
               <a:rPr lang="en-US" smtClean="0"/>
-              <a:t>11/8/2019</a:t>
+              <a:t>11/10/2019</a:t>
             </a:fld>
             <a:endParaRPr lang="en-US"/>
           </a:p>
@@ -2975,28 +2981,321 @@
           <a:chExt cx="0" cy="0"/>
         </a:xfrm>
       </p:grpSpPr>
+      <p:sp>
+        <p:nvSpPr>
+          <p:cNvPr id="2" name="Title 1"/>
+          <p:cNvSpPr>
+            <a:spLocks noGrp="1"/>
+          </p:cNvSpPr>
+          <p:nvPr>
+            <p:ph type="title"/>
+          </p:nvPr>
+        </p:nvSpPr>
+        <p:spPr/>
+        <p:txBody>
+          <a:bodyPr/>
+          <a:lstStyle/>
+          <a:p>
+            <a:pPr algn="ctr"/>
+            <a:r>
+              <a:rPr lang="en-US" b="1" i="1" dirty="0" err="1" smtClean="0">
+                <a:solidFill>
+                  <a:schemeClr val="accent5"/>
+                </a:solidFill>
+                <a:latin typeface="Times New Roman" panose="02020603050405020304" pitchFamily="18" charset="0"/>
+                <a:cs typeface="Times New Roman" panose="02020603050405020304" pitchFamily="18" charset="0"/>
+              </a:rPr>
+              <a:t>Đồ</a:t>
+            </a:r>
+            <a:r>
+              <a:rPr lang="en-US" b="1" i="1" dirty="0">
+                <a:solidFill>
+                  <a:schemeClr val="accent5"/>
+                </a:solidFill>
+                <a:latin typeface="Times New Roman" panose="02020603050405020304" pitchFamily="18" charset="0"/>
+                <a:cs typeface="Times New Roman" panose="02020603050405020304" pitchFamily="18" charset="0"/>
+              </a:rPr>
+              <a:t> </a:t>
+            </a:r>
+            <a:r>
+              <a:rPr lang="en-US" b="1" i="1" dirty="0" err="1" smtClean="0">
+                <a:solidFill>
+                  <a:schemeClr val="accent5"/>
+                </a:solidFill>
+                <a:latin typeface="Times New Roman" panose="02020603050405020304" pitchFamily="18" charset="0"/>
+                <a:cs typeface="Times New Roman" panose="02020603050405020304" pitchFamily="18" charset="0"/>
+              </a:rPr>
+              <a:t>Án</a:t>
+            </a:r>
+            <a:r>
+              <a:rPr lang="en-US" b="1" i="1" smtClean="0">
+                <a:solidFill>
+                  <a:schemeClr val="accent5"/>
+                </a:solidFill>
+                <a:latin typeface="Times New Roman" panose="02020603050405020304" pitchFamily="18" charset="0"/>
+                <a:cs typeface="Times New Roman" panose="02020603050405020304" pitchFamily="18" charset="0"/>
+              </a:rPr>
+              <a:t> 1 </a:t>
+            </a:r>
+            <a:r>
+              <a:rPr lang="en-US" b="1" i="1" dirty="0" smtClean="0">
+                <a:solidFill>
+                  <a:schemeClr val="accent5"/>
+                </a:solidFill>
+                <a:latin typeface="Times New Roman" panose="02020603050405020304" pitchFamily="18" charset="0"/>
+                <a:cs typeface="Times New Roman" panose="02020603050405020304" pitchFamily="18" charset="0"/>
+              </a:rPr>
+              <a:t>: </a:t>
+            </a:r>
+            <a:r>
+              <a:rPr lang="en-US" b="1" i="1" dirty="0" err="1" smtClean="0">
+                <a:solidFill>
+                  <a:schemeClr val="accent5"/>
+                </a:solidFill>
+                <a:latin typeface="Times New Roman" panose="02020603050405020304" pitchFamily="18" charset="0"/>
+                <a:cs typeface="Times New Roman" panose="02020603050405020304" pitchFamily="18" charset="0"/>
+              </a:rPr>
+              <a:t>Xây</a:t>
+            </a:r>
+            <a:r>
+              <a:rPr lang="en-US" b="1" i="1" dirty="0" smtClean="0">
+                <a:solidFill>
+                  <a:schemeClr val="accent5"/>
+                </a:solidFill>
+                <a:latin typeface="Times New Roman" panose="02020603050405020304" pitchFamily="18" charset="0"/>
+                <a:cs typeface="Times New Roman" panose="02020603050405020304" pitchFamily="18" charset="0"/>
+              </a:rPr>
+              <a:t> </a:t>
+            </a:r>
+            <a:r>
+              <a:rPr lang="en-US" b="1" i="1" dirty="0" err="1" smtClean="0">
+                <a:solidFill>
+                  <a:schemeClr val="accent5"/>
+                </a:solidFill>
+                <a:latin typeface="Times New Roman" panose="02020603050405020304" pitchFamily="18" charset="0"/>
+                <a:cs typeface="Times New Roman" panose="02020603050405020304" pitchFamily="18" charset="0"/>
+              </a:rPr>
+              <a:t>Dựng</a:t>
+            </a:r>
+            <a:r>
+              <a:rPr lang="en-US" b="1" i="1" dirty="0" smtClean="0">
+                <a:solidFill>
+                  <a:schemeClr val="accent5"/>
+                </a:solidFill>
+                <a:latin typeface="Times New Roman" panose="02020603050405020304" pitchFamily="18" charset="0"/>
+                <a:cs typeface="Times New Roman" panose="02020603050405020304" pitchFamily="18" charset="0"/>
+              </a:rPr>
+              <a:t> </a:t>
+            </a:r>
+            <a:r>
+              <a:rPr lang="en-US" b="1" i="1" dirty="0" err="1" smtClean="0">
+                <a:solidFill>
+                  <a:schemeClr val="accent5"/>
+                </a:solidFill>
+                <a:latin typeface="Times New Roman" panose="02020603050405020304" pitchFamily="18" charset="0"/>
+                <a:cs typeface="Times New Roman" panose="02020603050405020304" pitchFamily="18" charset="0"/>
+              </a:rPr>
+              <a:t>Phần</a:t>
+            </a:r>
+            <a:r>
+              <a:rPr lang="en-US" b="1" i="1" dirty="0" smtClean="0">
+                <a:solidFill>
+                  <a:schemeClr val="accent5"/>
+                </a:solidFill>
+                <a:latin typeface="Times New Roman" panose="02020603050405020304" pitchFamily="18" charset="0"/>
+                <a:cs typeface="Times New Roman" panose="02020603050405020304" pitchFamily="18" charset="0"/>
+              </a:rPr>
+              <a:t> </a:t>
+            </a:r>
+            <a:r>
+              <a:rPr lang="en-US" b="1" i="1" dirty="0" err="1" smtClean="0">
+                <a:solidFill>
+                  <a:schemeClr val="accent5"/>
+                </a:solidFill>
+                <a:latin typeface="Times New Roman" panose="02020603050405020304" pitchFamily="18" charset="0"/>
+                <a:cs typeface="Times New Roman" panose="02020603050405020304" pitchFamily="18" charset="0"/>
+              </a:rPr>
+              <a:t>Mềm</a:t>
+            </a:r>
+            <a:r>
+              <a:rPr lang="en-US" b="1" i="1" dirty="0" smtClean="0">
+                <a:solidFill>
+                  <a:schemeClr val="accent5"/>
+                </a:solidFill>
+                <a:latin typeface="Times New Roman" panose="02020603050405020304" pitchFamily="18" charset="0"/>
+                <a:cs typeface="Times New Roman" panose="02020603050405020304" pitchFamily="18" charset="0"/>
+              </a:rPr>
+              <a:t> </a:t>
+            </a:r>
+            <a:r>
+              <a:rPr lang="en-US" b="1" i="1" dirty="0" err="1" smtClean="0">
+                <a:solidFill>
+                  <a:schemeClr val="accent5"/>
+                </a:solidFill>
+                <a:latin typeface="Times New Roman" panose="02020603050405020304" pitchFamily="18" charset="0"/>
+                <a:cs typeface="Times New Roman" panose="02020603050405020304" pitchFamily="18" charset="0"/>
+              </a:rPr>
+              <a:t>Quản</a:t>
+            </a:r>
+            <a:r>
+              <a:rPr lang="en-US" b="1" i="1" dirty="0" smtClean="0">
+                <a:solidFill>
+                  <a:schemeClr val="accent5"/>
+                </a:solidFill>
+                <a:latin typeface="Times New Roman" panose="02020603050405020304" pitchFamily="18" charset="0"/>
+                <a:cs typeface="Times New Roman" panose="02020603050405020304" pitchFamily="18" charset="0"/>
+              </a:rPr>
+              <a:t> </a:t>
+            </a:r>
+            <a:r>
+              <a:rPr lang="en-US" b="1" i="1" dirty="0" err="1" smtClean="0">
+                <a:solidFill>
+                  <a:schemeClr val="accent5"/>
+                </a:solidFill>
+                <a:latin typeface="Times New Roman" panose="02020603050405020304" pitchFamily="18" charset="0"/>
+                <a:cs typeface="Times New Roman" panose="02020603050405020304" pitchFamily="18" charset="0"/>
+              </a:rPr>
+              <a:t>Lý</a:t>
+            </a:r>
+            <a:r>
+              <a:rPr lang="en-US" b="1" i="1" dirty="0" smtClean="0">
+                <a:solidFill>
+                  <a:schemeClr val="accent5"/>
+                </a:solidFill>
+                <a:latin typeface="Times New Roman" panose="02020603050405020304" pitchFamily="18" charset="0"/>
+                <a:cs typeface="Times New Roman" panose="02020603050405020304" pitchFamily="18" charset="0"/>
+              </a:rPr>
+              <a:t> </a:t>
+            </a:r>
+            <a:r>
+              <a:rPr lang="en-US" b="1" i="1" dirty="0" err="1" smtClean="0">
+                <a:solidFill>
+                  <a:schemeClr val="accent5"/>
+                </a:solidFill>
+                <a:latin typeface="Times New Roman" panose="02020603050405020304" pitchFamily="18" charset="0"/>
+                <a:cs typeface="Times New Roman" panose="02020603050405020304" pitchFamily="18" charset="0"/>
+              </a:rPr>
+              <a:t>Tập</a:t>
+            </a:r>
+            <a:r>
+              <a:rPr lang="en-US" b="1" i="1" dirty="0" smtClean="0">
+                <a:solidFill>
+                  <a:schemeClr val="accent5"/>
+                </a:solidFill>
+                <a:latin typeface="Times New Roman" panose="02020603050405020304" pitchFamily="18" charset="0"/>
+                <a:cs typeface="Times New Roman" panose="02020603050405020304" pitchFamily="18" charset="0"/>
+              </a:rPr>
+              <a:t> Tin, </a:t>
+            </a:r>
+            <a:r>
+              <a:rPr lang="en-US" b="1" i="1" dirty="0" err="1" smtClean="0">
+                <a:solidFill>
+                  <a:schemeClr val="accent5"/>
+                </a:solidFill>
+                <a:latin typeface="Times New Roman" panose="02020603050405020304" pitchFamily="18" charset="0"/>
+                <a:cs typeface="Times New Roman" panose="02020603050405020304" pitchFamily="18" charset="0"/>
+              </a:rPr>
+              <a:t>Thư</a:t>
+            </a:r>
+            <a:r>
+              <a:rPr lang="en-US" b="1" i="1" dirty="0" smtClean="0">
+                <a:solidFill>
+                  <a:schemeClr val="accent5"/>
+                </a:solidFill>
+                <a:latin typeface="Times New Roman" panose="02020603050405020304" pitchFamily="18" charset="0"/>
+                <a:cs typeface="Times New Roman" panose="02020603050405020304" pitchFamily="18" charset="0"/>
+              </a:rPr>
+              <a:t> </a:t>
+            </a:r>
+            <a:r>
+              <a:rPr lang="en-US" b="1" i="1" dirty="0" err="1" smtClean="0">
+                <a:solidFill>
+                  <a:schemeClr val="accent5"/>
+                </a:solidFill>
+                <a:latin typeface="Times New Roman" panose="02020603050405020304" pitchFamily="18" charset="0"/>
+                <a:cs typeface="Times New Roman" panose="02020603050405020304" pitchFamily="18" charset="0"/>
+              </a:rPr>
+              <a:t>Mục</a:t>
+            </a:r>
+            <a:r>
+              <a:rPr lang="en-US" b="1" i="1" dirty="0" smtClean="0">
+                <a:solidFill>
+                  <a:schemeClr val="accent5"/>
+                </a:solidFill>
+                <a:latin typeface="Times New Roman" panose="02020603050405020304" pitchFamily="18" charset="0"/>
+                <a:cs typeface="Times New Roman" panose="02020603050405020304" pitchFamily="18" charset="0"/>
+              </a:rPr>
+              <a:t> </a:t>
+            </a:r>
+            <a:r>
+              <a:rPr lang="en-US" b="1" i="1" dirty="0" err="1" smtClean="0">
+                <a:solidFill>
+                  <a:schemeClr val="accent5"/>
+                </a:solidFill>
+                <a:latin typeface="Times New Roman" panose="02020603050405020304" pitchFamily="18" charset="0"/>
+                <a:cs typeface="Times New Roman" panose="02020603050405020304" pitchFamily="18" charset="0"/>
+              </a:rPr>
+              <a:t>Trên</a:t>
+            </a:r>
+            <a:r>
+              <a:rPr lang="en-US" b="1" i="1" dirty="0" smtClean="0">
+                <a:solidFill>
+                  <a:schemeClr val="accent5"/>
+                </a:solidFill>
+                <a:latin typeface="Times New Roman" panose="02020603050405020304" pitchFamily="18" charset="0"/>
+                <a:cs typeface="Times New Roman" panose="02020603050405020304" pitchFamily="18" charset="0"/>
+              </a:rPr>
+              <a:t> Window</a:t>
+            </a:r>
+            <a:endParaRPr lang="en-US" b="1" i="1" dirty="0">
+              <a:solidFill>
+                <a:schemeClr val="accent5"/>
+              </a:solidFill>
+              <a:latin typeface="Times New Roman" panose="02020603050405020304" pitchFamily="18" charset="0"/>
+              <a:cs typeface="Times New Roman" panose="02020603050405020304" pitchFamily="18" charset="0"/>
+            </a:endParaRPr>
+          </a:p>
+        </p:txBody>
+      </p:sp>
       <p:pic>
         <p:nvPicPr>
-          <p:cNvPr id="6" name="Picture 5"/>
+          <p:cNvPr id="2050" name="Picture 2" descr="https://img2.thuthuatphanmem.vn/uploads/2019/03/05/hinh-nen-slide-mo-dau_111158586.jpg"/>
           <p:cNvPicPr>
-            <a:picLocks noChangeAspect="1"/>
+            <a:picLocks noGrp="1" noChangeAspect="1" noChangeArrowheads="1"/>
           </p:cNvPicPr>
-          <p:nvPr/>
+          <p:nvPr>
+            <p:ph idx="1"/>
+          </p:nvPr>
         </p:nvPicPr>
-        <p:blipFill>
-          <a:blip r:embed="rId2"/>
-          <a:stretch>
-            <a:fillRect/>
-          </a:stretch>
+        <p:blipFill rotWithShape="1">
+          <a:blip r:embed="rId2">
+            <a:extLst>
+              <a:ext uri="{28A0092B-C50C-407E-A947-70E740481C1C}">
+                <a14:useLocalDpi xmlns:a14="http://schemas.microsoft.com/office/drawing/2010/main" val="0"/>
+              </a:ext>
+            </a:extLst>
+          </a:blip>
+          <a:srcRect l="3894" t="23158" r="4076" b="6768"/>
+          <a:stretch/>
         </p:blipFill>
-        <p:spPr>
+        <p:spPr bwMode="auto">
           <a:xfrm>
-            <a:off x="942975" y="1758553"/>
-            <a:ext cx="9115424" cy="4937521"/>
+            <a:off x="438150" y="1552574"/>
+            <a:ext cx="5829300" cy="4476751"/>
           </a:xfrm>
           <a:prstGeom prst="rect">
             <a:avLst/>
           </a:prstGeom>
+          <a:noFill/>
+          <a:extLst>
+            <a:ext uri="{909E8E84-426E-40DD-AFC4-6F175D3DCCD1}">
+              <a14:hiddenFill xmlns:a14="http://schemas.microsoft.com/office/drawing/2010/main">
+                <a:solidFill>
+                  <a:srgbClr val="FFFFFF"/>
+                </a:solidFill>
+              </a14:hiddenFill>
+            </a:ext>
+          </a:extLst>
         </p:spPr>
       </p:pic>
       <p:sp>
@@ -3007,8 +3306,8 @@
         </p:nvSpPr>
         <p:spPr>
           <a:xfrm>
-            <a:off x="1885949" y="600075"/>
-            <a:ext cx="7648575" cy="369332"/>
+            <a:off x="7924801" y="1838325"/>
+            <a:ext cx="2628900" cy="369332"/>
           </a:xfrm>
           <a:prstGeom prst="rect">
             <a:avLst/>
@@ -3022,61 +3321,454 @@
           <a:lstStyle/>
           <a:p>
             <a:r>
-              <a:rPr lang="en-US" dirty="0" smtClean="0"/>
-              <a:t>Form </a:t>
-            </a:r>
-            <a:r>
-              <a:rPr lang="en-US" dirty="0" err="1" smtClean="0"/>
-              <a:t>Chính</a:t>
-            </a:r>
-            <a:r>
-              <a:rPr lang="en-US" dirty="0" smtClean="0"/>
-              <a:t> </a:t>
-            </a:r>
-            <a:r>
-              <a:rPr lang="en-US" dirty="0" err="1" smtClean="0"/>
-              <a:t>Sau</a:t>
-            </a:r>
-            <a:r>
-              <a:rPr lang="en-US" dirty="0" smtClean="0"/>
-              <a:t> </a:t>
-            </a:r>
-            <a:r>
-              <a:rPr lang="en-US" dirty="0" err="1" smtClean="0"/>
-              <a:t>Khi</a:t>
-            </a:r>
-            <a:r>
-              <a:rPr lang="en-US" dirty="0" smtClean="0"/>
-              <a:t> </a:t>
-            </a:r>
-            <a:r>
-              <a:rPr lang="en-US" dirty="0" err="1" smtClean="0"/>
-              <a:t>Chạy</a:t>
-            </a:r>
-            <a:r>
-              <a:rPr lang="en-US" dirty="0" smtClean="0"/>
-              <a:t> </a:t>
-            </a:r>
-            <a:r>
-              <a:rPr lang="en-US" dirty="0" err="1" smtClean="0"/>
-              <a:t>Chương</a:t>
-            </a:r>
-            <a:r>
-              <a:rPr lang="en-US" dirty="0" smtClean="0"/>
-              <a:t> </a:t>
-            </a:r>
-            <a:r>
-              <a:rPr lang="en-US" dirty="0" err="1" smtClean="0"/>
-              <a:t>Trình</a:t>
-            </a:r>
-            <a:endParaRPr lang="en-US" dirty="0"/>
+              <a:rPr lang="en-US" b="1" dirty="0" err="1" smtClean="0">
+                <a:latin typeface="Times New Roman" panose="02020603050405020304" pitchFamily="18" charset="0"/>
+                <a:cs typeface="Times New Roman" panose="02020603050405020304" pitchFamily="18" charset="0"/>
+              </a:rPr>
+              <a:t>Giáo</a:t>
+            </a:r>
+            <a:r>
+              <a:rPr lang="en-US" b="1" dirty="0" smtClean="0">
+                <a:latin typeface="Times New Roman" panose="02020603050405020304" pitchFamily="18" charset="0"/>
+                <a:cs typeface="Times New Roman" panose="02020603050405020304" pitchFamily="18" charset="0"/>
+              </a:rPr>
+              <a:t> </a:t>
+            </a:r>
+            <a:r>
+              <a:rPr lang="en-US" b="1" dirty="0" err="1" smtClean="0">
+                <a:latin typeface="Times New Roman" panose="02020603050405020304" pitchFamily="18" charset="0"/>
+                <a:cs typeface="Times New Roman" panose="02020603050405020304" pitchFamily="18" charset="0"/>
+              </a:rPr>
+              <a:t>Viên</a:t>
+            </a:r>
+            <a:r>
+              <a:rPr lang="en-US" b="1" dirty="0" smtClean="0">
+                <a:latin typeface="Times New Roman" panose="02020603050405020304" pitchFamily="18" charset="0"/>
+                <a:cs typeface="Times New Roman" panose="02020603050405020304" pitchFamily="18" charset="0"/>
+              </a:rPr>
+              <a:t> </a:t>
+            </a:r>
+            <a:r>
+              <a:rPr lang="en-US" b="1" dirty="0" err="1" smtClean="0">
+                <a:latin typeface="Times New Roman" panose="02020603050405020304" pitchFamily="18" charset="0"/>
+                <a:cs typeface="Times New Roman" panose="02020603050405020304" pitchFamily="18" charset="0"/>
+              </a:rPr>
+              <a:t>Hướng</a:t>
+            </a:r>
+            <a:r>
+              <a:rPr lang="en-US" b="1" dirty="0" smtClean="0">
+                <a:latin typeface="Times New Roman" panose="02020603050405020304" pitchFamily="18" charset="0"/>
+                <a:cs typeface="Times New Roman" panose="02020603050405020304" pitchFamily="18" charset="0"/>
+              </a:rPr>
+              <a:t> </a:t>
+            </a:r>
+            <a:r>
+              <a:rPr lang="en-US" b="1" dirty="0" err="1" smtClean="0">
+                <a:latin typeface="Times New Roman" panose="02020603050405020304" pitchFamily="18" charset="0"/>
+                <a:cs typeface="Times New Roman" panose="02020603050405020304" pitchFamily="18" charset="0"/>
+              </a:rPr>
+              <a:t>Dẫn</a:t>
+            </a:r>
+            <a:r>
+              <a:rPr lang="en-US" b="1" dirty="0" smtClean="0">
+                <a:latin typeface="Times New Roman" panose="02020603050405020304" pitchFamily="18" charset="0"/>
+                <a:cs typeface="Times New Roman" panose="02020603050405020304" pitchFamily="18" charset="0"/>
+              </a:rPr>
+              <a:t>:</a:t>
+            </a:r>
+            <a:endParaRPr lang="en-US" b="1" dirty="0">
+              <a:latin typeface="Times New Roman" panose="02020603050405020304" pitchFamily="18" charset="0"/>
+              <a:cs typeface="Times New Roman" panose="02020603050405020304" pitchFamily="18" charset="0"/>
+            </a:endParaRPr>
+          </a:p>
+        </p:txBody>
+      </p:sp>
+      <p:sp>
+        <p:nvSpPr>
+          <p:cNvPr id="8" name="TextBox 7"/>
+          <p:cNvSpPr txBox="1"/>
+          <p:nvPr/>
+        </p:nvSpPr>
+        <p:spPr>
+          <a:xfrm>
+            <a:off x="7286626" y="2333625"/>
+            <a:ext cx="3124200" cy="369332"/>
+          </a:xfrm>
+          <a:prstGeom prst="rect">
+            <a:avLst/>
+          </a:prstGeom>
+          <a:noFill/>
+        </p:spPr>
+        <p:txBody>
+          <a:bodyPr wrap="square" rtlCol="0">
+            <a:spAutoFit/>
+          </a:bodyPr>
+          <a:lstStyle/>
+          <a:p>
+            <a:r>
+              <a:rPr lang="en-US" i="1" dirty="0" err="1" smtClean="0">
+                <a:latin typeface="Times New Roman" panose="02020603050405020304" pitchFamily="18" charset="0"/>
+                <a:cs typeface="Times New Roman" panose="02020603050405020304" pitchFamily="18" charset="0"/>
+              </a:rPr>
+              <a:t>Thầy.</a:t>
+            </a:r>
+            <a:r>
+              <a:rPr lang="en-US" b="1" i="1" dirty="0" err="1" smtClean="0">
+                <a:latin typeface="Times New Roman" panose="02020603050405020304" pitchFamily="18" charset="0"/>
+                <a:cs typeface="Times New Roman" panose="02020603050405020304" pitchFamily="18" charset="0"/>
+              </a:rPr>
+              <a:t>Huỳnh</a:t>
+            </a:r>
+            <a:r>
+              <a:rPr lang="en-US" b="1" i="1" dirty="0" smtClean="0">
+                <a:latin typeface="Times New Roman" panose="02020603050405020304" pitchFamily="18" charset="0"/>
+                <a:cs typeface="Times New Roman" panose="02020603050405020304" pitchFamily="18" charset="0"/>
+              </a:rPr>
+              <a:t> </a:t>
+            </a:r>
+            <a:r>
+              <a:rPr lang="en-US" b="1" i="1" dirty="0" err="1" smtClean="0">
+                <a:latin typeface="Times New Roman" panose="02020603050405020304" pitchFamily="18" charset="0"/>
+                <a:cs typeface="Times New Roman" panose="02020603050405020304" pitchFamily="18" charset="0"/>
+              </a:rPr>
+              <a:t>Xuân</a:t>
+            </a:r>
+            <a:r>
+              <a:rPr lang="en-US" b="1" i="1" dirty="0" smtClean="0">
+                <a:latin typeface="Times New Roman" panose="02020603050405020304" pitchFamily="18" charset="0"/>
+                <a:cs typeface="Times New Roman" panose="02020603050405020304" pitchFamily="18" charset="0"/>
+              </a:rPr>
+              <a:t> </a:t>
+            </a:r>
+            <a:r>
+              <a:rPr lang="en-US" b="1" i="1" dirty="0" err="1" smtClean="0">
+                <a:latin typeface="Times New Roman" panose="02020603050405020304" pitchFamily="18" charset="0"/>
+                <a:cs typeface="Times New Roman" panose="02020603050405020304" pitchFamily="18" charset="0"/>
+              </a:rPr>
+              <a:t>Phụng</a:t>
+            </a:r>
+            <a:endParaRPr lang="en-US" i="1" dirty="0">
+              <a:latin typeface="Times New Roman" panose="02020603050405020304" pitchFamily="18" charset="0"/>
+              <a:cs typeface="Times New Roman" panose="02020603050405020304" pitchFamily="18" charset="0"/>
+            </a:endParaRPr>
+          </a:p>
+        </p:txBody>
+      </p:sp>
+      <p:sp>
+        <p:nvSpPr>
+          <p:cNvPr id="9" name="Rectangle 8"/>
+          <p:cNvSpPr/>
+          <p:nvPr/>
+        </p:nvSpPr>
+        <p:spPr>
+          <a:xfrm>
+            <a:off x="7924801" y="2976562"/>
+            <a:ext cx="2383088" cy="369332"/>
+          </a:xfrm>
+          <a:prstGeom prst="rect">
+            <a:avLst/>
+          </a:prstGeom>
+        </p:spPr>
+        <p:txBody>
+          <a:bodyPr wrap="none">
+            <a:spAutoFit/>
+          </a:bodyPr>
+          <a:lstStyle/>
+          <a:p>
+            <a:r>
+              <a:rPr lang="en-US" b="1" dirty="0" err="1" smtClean="0">
+                <a:latin typeface="Times New Roman" panose="02020603050405020304" pitchFamily="18" charset="0"/>
+                <a:cs typeface="Times New Roman" panose="02020603050405020304" pitchFamily="18" charset="0"/>
+              </a:rPr>
+              <a:t>Sinh</a:t>
+            </a:r>
+            <a:r>
+              <a:rPr lang="en-US" b="1" dirty="0" smtClean="0">
+                <a:latin typeface="Times New Roman" panose="02020603050405020304" pitchFamily="18" charset="0"/>
+                <a:cs typeface="Times New Roman" panose="02020603050405020304" pitchFamily="18" charset="0"/>
+              </a:rPr>
+              <a:t> </a:t>
+            </a:r>
+            <a:r>
+              <a:rPr lang="en-US" b="1" dirty="0" err="1" smtClean="0">
+                <a:latin typeface="Times New Roman" panose="02020603050405020304" pitchFamily="18" charset="0"/>
+                <a:cs typeface="Times New Roman" panose="02020603050405020304" pitchFamily="18" charset="0"/>
+              </a:rPr>
+              <a:t>Viên</a:t>
+            </a:r>
+            <a:r>
+              <a:rPr lang="en-US" b="1" dirty="0" smtClean="0">
+                <a:latin typeface="Times New Roman" panose="02020603050405020304" pitchFamily="18" charset="0"/>
+                <a:cs typeface="Times New Roman" panose="02020603050405020304" pitchFamily="18" charset="0"/>
+              </a:rPr>
+              <a:t> </a:t>
+            </a:r>
+            <a:r>
+              <a:rPr lang="en-US" b="1" dirty="0" err="1" smtClean="0">
+                <a:latin typeface="Times New Roman" panose="02020603050405020304" pitchFamily="18" charset="0"/>
+                <a:cs typeface="Times New Roman" panose="02020603050405020304" pitchFamily="18" charset="0"/>
+              </a:rPr>
+              <a:t>Thực</a:t>
+            </a:r>
+            <a:r>
+              <a:rPr lang="en-US" b="1" dirty="0" smtClean="0">
+                <a:latin typeface="Times New Roman" panose="02020603050405020304" pitchFamily="18" charset="0"/>
+                <a:cs typeface="Times New Roman" panose="02020603050405020304" pitchFamily="18" charset="0"/>
+              </a:rPr>
+              <a:t> </a:t>
+            </a:r>
+            <a:r>
+              <a:rPr lang="en-US" b="1" dirty="0" err="1" smtClean="0">
+                <a:latin typeface="Times New Roman" panose="02020603050405020304" pitchFamily="18" charset="0"/>
+                <a:cs typeface="Times New Roman" panose="02020603050405020304" pitchFamily="18" charset="0"/>
+              </a:rPr>
+              <a:t>Hiện</a:t>
+            </a:r>
+            <a:r>
+              <a:rPr lang="en-US" b="1" dirty="0" smtClean="0">
+                <a:latin typeface="Times New Roman" panose="02020603050405020304" pitchFamily="18" charset="0"/>
+                <a:cs typeface="Times New Roman" panose="02020603050405020304" pitchFamily="18" charset="0"/>
+              </a:rPr>
+              <a:t> :</a:t>
+            </a:r>
+            <a:endParaRPr lang="en-US" b="1" dirty="0">
+              <a:latin typeface="Times New Roman" panose="02020603050405020304" pitchFamily="18" charset="0"/>
+              <a:cs typeface="Times New Roman" panose="02020603050405020304" pitchFamily="18" charset="0"/>
+            </a:endParaRPr>
+          </a:p>
+        </p:txBody>
+      </p:sp>
+      <p:sp>
+        <p:nvSpPr>
+          <p:cNvPr id="12" name="TextBox 11"/>
+          <p:cNvSpPr txBox="1"/>
+          <p:nvPr/>
+        </p:nvSpPr>
+        <p:spPr>
+          <a:xfrm>
+            <a:off x="7048501" y="3606284"/>
+            <a:ext cx="1924049" cy="369332"/>
+          </a:xfrm>
+          <a:prstGeom prst="rect">
+            <a:avLst/>
+          </a:prstGeom>
+          <a:noFill/>
+        </p:spPr>
+        <p:txBody>
+          <a:bodyPr wrap="square" rtlCol="0">
+            <a:spAutoFit/>
+          </a:bodyPr>
+          <a:lstStyle/>
+          <a:p>
+            <a:r>
+              <a:rPr lang="en-US" i="1" dirty="0" err="1">
+                <a:latin typeface="Times New Roman" panose="02020603050405020304" pitchFamily="18" charset="0"/>
+                <a:cs typeface="Times New Roman" panose="02020603050405020304" pitchFamily="18" charset="0"/>
+              </a:rPr>
+              <a:t>Họ</a:t>
+            </a:r>
+            <a:r>
+              <a:rPr lang="en-US" i="1" dirty="0">
+                <a:latin typeface="Times New Roman" panose="02020603050405020304" pitchFamily="18" charset="0"/>
+                <a:cs typeface="Times New Roman" panose="02020603050405020304" pitchFamily="18" charset="0"/>
+              </a:rPr>
+              <a:t> </a:t>
+            </a:r>
+            <a:r>
+              <a:rPr lang="en-US" i="1" dirty="0" err="1">
+                <a:latin typeface="Times New Roman" panose="02020603050405020304" pitchFamily="18" charset="0"/>
+                <a:cs typeface="Times New Roman" panose="02020603050405020304" pitchFamily="18" charset="0"/>
+              </a:rPr>
+              <a:t>Và</a:t>
+            </a:r>
+            <a:r>
+              <a:rPr lang="en-US" i="1" dirty="0">
+                <a:latin typeface="Times New Roman" panose="02020603050405020304" pitchFamily="18" charset="0"/>
+                <a:cs typeface="Times New Roman" panose="02020603050405020304" pitchFamily="18" charset="0"/>
+              </a:rPr>
+              <a:t> </a:t>
+            </a:r>
+            <a:r>
+              <a:rPr lang="en-US" i="1" dirty="0" err="1">
+                <a:latin typeface="Times New Roman" panose="02020603050405020304" pitchFamily="18" charset="0"/>
+                <a:cs typeface="Times New Roman" panose="02020603050405020304" pitchFamily="18" charset="0"/>
+              </a:rPr>
+              <a:t>Tên</a:t>
+            </a:r>
+            <a:r>
+              <a:rPr lang="en-US" i="1" dirty="0">
+                <a:latin typeface="Times New Roman" panose="02020603050405020304" pitchFamily="18" charset="0"/>
+                <a:cs typeface="Times New Roman" panose="02020603050405020304" pitchFamily="18" charset="0"/>
+              </a:rPr>
+              <a:t> </a:t>
+            </a:r>
+            <a:endParaRPr lang="en-US" i="1" dirty="0">
+              <a:latin typeface="Times New Roman" panose="02020603050405020304" pitchFamily="18" charset="0"/>
+              <a:cs typeface="Times New Roman" panose="02020603050405020304" pitchFamily="18" charset="0"/>
+            </a:endParaRPr>
+          </a:p>
+        </p:txBody>
+      </p:sp>
+      <p:sp>
+        <p:nvSpPr>
+          <p:cNvPr id="10" name="Rectangle 9"/>
+          <p:cNvSpPr/>
+          <p:nvPr/>
+        </p:nvSpPr>
+        <p:spPr>
+          <a:xfrm>
+            <a:off x="9475176" y="3606283"/>
+            <a:ext cx="802464" cy="369332"/>
+          </a:xfrm>
+          <a:prstGeom prst="rect">
+            <a:avLst/>
+          </a:prstGeom>
+        </p:spPr>
+        <p:txBody>
+          <a:bodyPr wrap="none">
+            <a:spAutoFit/>
+          </a:bodyPr>
+          <a:lstStyle/>
+          <a:p>
+            <a:r>
+              <a:rPr lang="en-US" i="1" dirty="0" smtClean="0">
+                <a:latin typeface="Times New Roman" panose="02020603050405020304" pitchFamily="18" charset="0"/>
+                <a:cs typeface="Times New Roman" panose="02020603050405020304" pitchFamily="18" charset="0"/>
+              </a:rPr>
+              <a:t>MSSV </a:t>
+            </a:r>
+            <a:endParaRPr lang="en-US" i="1" dirty="0">
+              <a:latin typeface="Times New Roman" panose="02020603050405020304" pitchFamily="18" charset="0"/>
+              <a:cs typeface="Times New Roman" panose="02020603050405020304" pitchFamily="18" charset="0"/>
+            </a:endParaRPr>
+          </a:p>
+        </p:txBody>
+      </p:sp>
+      <p:sp>
+        <p:nvSpPr>
+          <p:cNvPr id="14" name="TextBox 13"/>
+          <p:cNvSpPr txBox="1"/>
+          <p:nvPr/>
+        </p:nvSpPr>
+        <p:spPr>
+          <a:xfrm>
+            <a:off x="6476999" y="4249221"/>
+            <a:ext cx="4276725" cy="369332"/>
+          </a:xfrm>
+          <a:prstGeom prst="rect">
+            <a:avLst/>
+          </a:prstGeom>
+          <a:noFill/>
+        </p:spPr>
+        <p:txBody>
+          <a:bodyPr wrap="square" rtlCol="0">
+            <a:spAutoFit/>
+          </a:bodyPr>
+          <a:lstStyle/>
+          <a:p>
+            <a:r>
+              <a:rPr lang="en-US" b="1" dirty="0" smtClean="0">
+                <a:latin typeface="Times New Roman" panose="02020603050405020304" pitchFamily="18" charset="0"/>
+                <a:cs typeface="Times New Roman" panose="02020603050405020304" pitchFamily="18" charset="0"/>
+              </a:rPr>
+              <a:t>Phan Thanh </a:t>
+            </a:r>
+            <a:r>
+              <a:rPr lang="en-US" b="1" dirty="0" err="1" smtClean="0">
+                <a:latin typeface="Times New Roman" panose="02020603050405020304" pitchFamily="18" charset="0"/>
+                <a:cs typeface="Times New Roman" panose="02020603050405020304" pitchFamily="18" charset="0"/>
+              </a:rPr>
+              <a:t>Hoài</a:t>
+            </a:r>
+            <a:r>
+              <a:rPr lang="en-US" b="1" dirty="0" smtClean="0">
+                <a:latin typeface="Times New Roman" panose="02020603050405020304" pitchFamily="18" charset="0"/>
+                <a:cs typeface="Times New Roman" panose="02020603050405020304" pitchFamily="18" charset="0"/>
+              </a:rPr>
+              <a:t>                     16110075</a:t>
+            </a:r>
+            <a:endParaRPr lang="en-US" b="1" dirty="0">
+              <a:latin typeface="Times New Roman" panose="02020603050405020304" pitchFamily="18" charset="0"/>
+              <a:cs typeface="Times New Roman" panose="02020603050405020304" pitchFamily="18" charset="0"/>
+            </a:endParaRPr>
+          </a:p>
+        </p:txBody>
+      </p:sp>
+      <p:sp>
+        <p:nvSpPr>
+          <p:cNvPr id="15" name="TextBox 14"/>
+          <p:cNvSpPr txBox="1"/>
+          <p:nvPr/>
+        </p:nvSpPr>
+        <p:spPr>
+          <a:xfrm>
+            <a:off x="6476999" y="5076824"/>
+            <a:ext cx="4276725" cy="369332"/>
+          </a:xfrm>
+          <a:prstGeom prst="rect">
+            <a:avLst/>
+          </a:prstGeom>
+          <a:noFill/>
+        </p:spPr>
+        <p:txBody>
+          <a:bodyPr wrap="square" rtlCol="0">
+            <a:spAutoFit/>
+          </a:bodyPr>
+          <a:lstStyle/>
+          <a:p>
+            <a:r>
+              <a:rPr lang="en-US" b="1" dirty="0" err="1" smtClean="0">
+                <a:latin typeface="Times New Roman" panose="02020603050405020304" pitchFamily="18" charset="0"/>
+                <a:cs typeface="Times New Roman" panose="02020603050405020304" pitchFamily="18" charset="0"/>
+              </a:rPr>
+              <a:t>Nguyễn</a:t>
+            </a:r>
+            <a:r>
+              <a:rPr lang="en-US" b="1" dirty="0" smtClean="0">
+                <a:latin typeface="Times New Roman" panose="02020603050405020304" pitchFamily="18" charset="0"/>
+                <a:cs typeface="Times New Roman" panose="02020603050405020304" pitchFamily="18" charset="0"/>
+              </a:rPr>
+              <a:t> </a:t>
+            </a:r>
+            <a:r>
+              <a:rPr lang="en-US" b="1" dirty="0" err="1" smtClean="0">
+                <a:latin typeface="Times New Roman" panose="02020603050405020304" pitchFamily="18" charset="0"/>
+                <a:cs typeface="Times New Roman" panose="02020603050405020304" pitchFamily="18" charset="0"/>
+              </a:rPr>
+              <a:t>Thành</a:t>
+            </a:r>
+            <a:r>
+              <a:rPr lang="en-US" b="1" dirty="0" smtClean="0">
+                <a:latin typeface="Times New Roman" panose="02020603050405020304" pitchFamily="18" charset="0"/>
+                <a:cs typeface="Times New Roman" panose="02020603050405020304" pitchFamily="18" charset="0"/>
+              </a:rPr>
+              <a:t> </a:t>
+            </a:r>
+            <a:r>
+              <a:rPr lang="en-US" b="1" dirty="0" err="1" smtClean="0">
+                <a:latin typeface="Times New Roman" panose="02020603050405020304" pitchFamily="18" charset="0"/>
+                <a:cs typeface="Times New Roman" panose="02020603050405020304" pitchFamily="18" charset="0"/>
+              </a:rPr>
+              <a:t>Đạt</a:t>
+            </a:r>
+            <a:r>
+              <a:rPr lang="en-US" b="1" dirty="0" smtClean="0">
+                <a:latin typeface="Times New Roman" panose="02020603050405020304" pitchFamily="18" charset="0"/>
+                <a:cs typeface="Times New Roman" panose="02020603050405020304" pitchFamily="18" charset="0"/>
+              </a:rPr>
+              <a:t>                   17110120</a:t>
+            </a:r>
+            <a:endParaRPr lang="en-US" b="1" dirty="0">
+              <a:latin typeface="Times New Roman" panose="02020603050405020304" pitchFamily="18" charset="0"/>
+              <a:cs typeface="Times New Roman" panose="02020603050405020304" pitchFamily="18" charset="0"/>
+            </a:endParaRPr>
           </a:p>
         </p:txBody>
       </p:sp>
     </p:spTree>
     <p:extLst>
       <p:ext uri="{BB962C8B-B14F-4D97-AF65-F5344CB8AC3E}">
-        <p14:creationId xmlns:p14="http://schemas.microsoft.com/office/powerpoint/2010/main" val="4239688325"/>
+        <p14:creationId xmlns:p14="http://schemas.microsoft.com/office/powerpoint/2010/main" val="89606271"/>
       </p:ext>
     </p:extLst>
   </p:cSld>
@@ -3115,8 +3807,8 @@
         </p:nvSpPr>
         <p:spPr>
           <a:xfrm>
-            <a:off x="2228144" y="387985"/>
-            <a:ext cx="10515600" cy="1325563"/>
+            <a:off x="838200" y="365125"/>
+            <a:ext cx="5657850" cy="1325563"/>
           </a:xfrm>
         </p:spPr>
         <p:txBody>
@@ -3126,60 +3818,68 @@
           <a:lstStyle/>
           <a:p>
             <a:r>
-              <a:rPr lang="en-US" sz="1800" dirty="0" err="1"/>
+              <a:rPr lang="en-US" sz="1800" b="1" dirty="0" err="1"/>
               <a:t>ToolScrip</a:t>
             </a:r>
             <a:r>
-              <a:rPr lang="en-US" sz="1800" dirty="0"/>
-              <a:t> </a:t>
-            </a:r>
-            <a:r>
-              <a:rPr lang="en-US" sz="1800" dirty="0" err="1" smtClean="0"/>
+              <a:rPr lang="en-US" sz="1800" b="1" dirty="0"/>
+              <a:t> </a:t>
+            </a:r>
+            <a:r>
+              <a:rPr lang="en-US" sz="1800" b="1" dirty="0" err="1"/>
               <a:t>và</a:t>
             </a:r>
             <a:r>
-              <a:rPr lang="en-US" sz="1800" dirty="0" smtClean="0"/>
-              <a:t> Form About </a:t>
-            </a:r>
-            <a:r>
-              <a:rPr lang="en-US" sz="1800" dirty="0" err="1" smtClean="0"/>
-              <a:t>Sau</a:t>
-            </a:r>
-            <a:r>
-              <a:rPr lang="en-US" sz="1800" dirty="0" smtClean="0"/>
-              <a:t> </a:t>
-            </a:r>
-            <a:r>
-              <a:rPr lang="en-US" sz="1800" dirty="0" err="1" smtClean="0"/>
-              <a:t>Khi</a:t>
-            </a:r>
-            <a:r>
-              <a:rPr lang="en-US" sz="1800" dirty="0" smtClean="0"/>
-              <a:t> Click </a:t>
-            </a:r>
-            <a:r>
-              <a:rPr lang="en-US" sz="1800" dirty="0" err="1" smtClean="0"/>
-              <a:t>Vào</a:t>
-            </a:r>
-            <a:r>
-              <a:rPr lang="en-US" sz="1800" dirty="0" smtClean="0"/>
-              <a:t> </a:t>
-            </a:r>
-            <a:r>
-              <a:rPr lang="en-US" sz="1800" dirty="0" err="1" smtClean="0"/>
+              <a:rPr lang="en-US" sz="1800" b="1" dirty="0"/>
+              <a:t> </a:t>
+            </a:r>
+            <a:r>
+              <a:rPr lang="en-US" sz="1800" b="1" dirty="0" err="1"/>
+              <a:t>các</a:t>
+            </a:r>
+            <a:r>
+              <a:rPr lang="en-US" sz="1800" b="1" dirty="0"/>
+              <a:t> </a:t>
+            </a:r>
+            <a:r>
+              <a:rPr lang="en-US" sz="1800" b="1" dirty="0" err="1"/>
+              <a:t>Chức</a:t>
+            </a:r>
+            <a:r>
+              <a:rPr lang="en-US" sz="1800" b="1" dirty="0"/>
+              <a:t> </a:t>
+            </a:r>
+            <a:r>
+              <a:rPr lang="en-US" sz="1800" b="1" dirty="0" err="1"/>
+              <a:t>năng</a:t>
+            </a:r>
+            <a:r>
+              <a:rPr lang="en-US" sz="1800" b="1" dirty="0"/>
+              <a:t> </a:t>
+            </a:r>
+            <a:r>
+              <a:rPr lang="en-US" sz="1800" b="1" dirty="0" err="1"/>
+              <a:t>trong</a:t>
+            </a:r>
+            <a:r>
+              <a:rPr lang="en-US" sz="1800" b="1" dirty="0"/>
+              <a:t> </a:t>
+            </a:r>
+            <a:r>
+              <a:rPr lang="en-US" sz="1800" b="1" dirty="0" err="1" smtClean="0"/>
               <a:t>ToolScripMenu</a:t>
             </a:r>
             <a:r>
-              <a:rPr lang="en-US" sz="1800" dirty="0" smtClean="0"/>
-              <a:t> About</a:t>
-            </a:r>
-            <a:endParaRPr lang="en-US" sz="1800" dirty="0"/>
+              <a:rPr lang="en-US" sz="1800" b="1" dirty="0" smtClean="0"/>
+              <a:t> Language</a:t>
+            </a:r>
+            <a:endParaRPr lang="en-US" sz="1800" b="1" dirty="0"/>
           </a:p>
         </p:txBody>
       </p:sp>
       <p:pic>
         <p:nvPicPr>
-          <p:cNvPr id="4" name="Content Placeholder 3"/>
+          <p:cNvPr id="5" name="Content Placeholder 4"/>
           <p:cNvPicPr>
             <a:picLocks noGrp="1" noChangeAspect="1"/>
           </p:cNvPicPr>
@@ -3187,26 +3887,99 @@
             <p:ph idx="1"/>
           </p:nvPr>
         </p:nvPicPr>
-        <p:blipFill>
+        <p:blipFill rotWithShape="1">
           <a:blip r:embed="rId2"/>
-          <a:stretch>
-            <a:fillRect/>
-          </a:stretch>
+          <a:srcRect r="85856" b="68406"/>
+          <a:stretch/>
         </p:blipFill>
         <p:spPr>
           <a:xfrm>
-            <a:off x="2228144" y="1825625"/>
-            <a:ext cx="7735712" cy="4351338"/>
+            <a:off x="1054664" y="1690688"/>
+            <a:ext cx="3570676" cy="3509806"/>
           </a:xfrm>
           <a:prstGeom prst="rect">
             <a:avLst/>
           </a:prstGeom>
         </p:spPr>
       </p:pic>
+      <p:sp>
+        <p:nvSpPr>
+          <p:cNvPr id="3" name="TextBox 2"/>
+          <p:cNvSpPr txBox="1"/>
+          <p:nvPr/>
+        </p:nvSpPr>
+        <p:spPr>
+          <a:xfrm>
+            <a:off x="5543550" y="2105025"/>
+            <a:ext cx="3629025" cy="369332"/>
+          </a:xfrm>
+          <a:prstGeom prst="rect">
+            <a:avLst/>
+          </a:prstGeom>
+          <a:noFill/>
+        </p:spPr>
+        <p:txBody>
+          <a:bodyPr wrap="square" rtlCol="0">
+            <a:spAutoFit/>
+          </a:bodyPr>
+          <a:lstStyle/>
+          <a:p>
+            <a:r>
+              <a:rPr lang="en-US" dirty="0" smtClean="0"/>
+              <a:t>That </a:t>
+            </a:r>
+            <a:r>
+              <a:rPr lang="en-US" dirty="0" err="1" smtClean="0"/>
+              <a:t>đổi</a:t>
+            </a:r>
+            <a:r>
+              <a:rPr lang="en-US" dirty="0" smtClean="0"/>
+              <a:t> </a:t>
+            </a:r>
+            <a:r>
+              <a:rPr lang="en-US" dirty="0" err="1" smtClean="0"/>
+              <a:t>ngôn</a:t>
+            </a:r>
+            <a:r>
+              <a:rPr lang="en-US" dirty="0" smtClean="0"/>
+              <a:t> </a:t>
+            </a:r>
+            <a:r>
+              <a:rPr lang="en-US" dirty="0" err="1" smtClean="0"/>
+              <a:t>ngữ</a:t>
+            </a:r>
+            <a:r>
+              <a:rPr lang="en-US" dirty="0" smtClean="0"/>
+              <a:t>  </a:t>
+            </a:r>
+            <a:r>
+              <a:rPr lang="en-US" dirty="0" err="1" smtClean="0"/>
+              <a:t>cho</a:t>
+            </a:r>
+            <a:r>
+              <a:rPr lang="en-US" dirty="0" smtClean="0"/>
+              <a:t> </a:t>
+            </a:r>
+            <a:r>
+              <a:rPr lang="en-US" dirty="0" err="1" smtClean="0"/>
+              <a:t>Phần</a:t>
+            </a:r>
+            <a:r>
+              <a:rPr lang="en-US" dirty="0" smtClean="0"/>
+              <a:t> </a:t>
+            </a:r>
+            <a:r>
+              <a:rPr lang="en-US" dirty="0" err="1" smtClean="0"/>
+              <a:t>mềm</a:t>
+            </a:r>
+            <a:endParaRPr lang="en-US" dirty="0" smtClean="0"/>
+          </a:p>
+        </p:txBody>
+      </p:sp>
     </p:spTree>
     <p:extLst>
       <p:ext uri="{BB962C8B-B14F-4D97-AF65-F5344CB8AC3E}">
-        <p14:creationId xmlns:p14="http://schemas.microsoft.com/office/powerpoint/2010/main" val="471031475"/>
+        <p14:creationId xmlns:p14="http://schemas.microsoft.com/office/powerpoint/2010/main" val="2410728299"/>
       </p:ext>
     </p:extLst>
   </p:cSld>
@@ -3243,7 +4016,12 @@
             <p:ph type="title"/>
           </p:nvPr>
         </p:nvSpPr>
-        <p:spPr/>
+        <p:spPr>
+          <a:xfrm>
+            <a:off x="838200" y="365125"/>
+            <a:ext cx="5886450" cy="1358900"/>
+          </a:xfrm>
+        </p:spPr>
         <p:txBody>
           <a:bodyPr>
             <a:normAutofit/>
@@ -3251,66 +4029,671 @@
           <a:lstStyle/>
           <a:p>
             <a:r>
-              <a:rPr lang="en-US" sz="1800" dirty="0" smtClean="0"/>
+              <a:rPr lang="en-US" sz="1800" b="1" dirty="0" err="1"/>
+              <a:t>ToolScrip</a:t>
+            </a:r>
+            <a:r>
+              <a:rPr lang="en-US" sz="1800" b="1" dirty="0"/>
+              <a:t> </a:t>
+            </a:r>
+            <a:r>
+              <a:rPr lang="en-US" sz="1800" b="1" dirty="0" err="1"/>
+              <a:t>và</a:t>
+            </a:r>
+            <a:r>
+              <a:rPr lang="en-US" sz="1800" b="1" dirty="0"/>
+              <a:t> </a:t>
+            </a:r>
+            <a:r>
+              <a:rPr lang="en-US" sz="1800" b="1" dirty="0" err="1"/>
+              <a:t>các</a:t>
+            </a:r>
+            <a:r>
+              <a:rPr lang="en-US" sz="1800" b="1" dirty="0"/>
+              <a:t> </a:t>
+            </a:r>
+            <a:r>
+              <a:rPr lang="en-US" sz="1800" b="1" dirty="0" err="1"/>
+              <a:t>Chức</a:t>
+            </a:r>
+            <a:r>
+              <a:rPr lang="en-US" sz="1800" b="1" dirty="0"/>
+              <a:t> </a:t>
+            </a:r>
+            <a:r>
+              <a:rPr lang="en-US" sz="1800" b="1" dirty="0" err="1"/>
+              <a:t>năng</a:t>
+            </a:r>
+            <a:r>
+              <a:rPr lang="en-US" sz="1800" b="1" dirty="0"/>
+              <a:t> </a:t>
+            </a:r>
+            <a:r>
+              <a:rPr lang="en-US" sz="1800" b="1" dirty="0" err="1"/>
+              <a:t>trong</a:t>
+            </a:r>
+            <a:r>
+              <a:rPr lang="en-US" sz="1800" b="1" dirty="0"/>
+              <a:t> </a:t>
+            </a:r>
+            <a:r>
+              <a:rPr lang="en-US" sz="1800" b="1" dirty="0" err="1" smtClean="0"/>
+              <a:t>ToolScripMenu</a:t>
+            </a:r>
+            <a:r>
+              <a:rPr lang="en-US" sz="1800" b="1" dirty="0" smtClean="0"/>
+              <a:t> </a:t>
+            </a:r>
+            <a:r>
+              <a:rPr lang="en-US" sz="1800" b="1" dirty="0"/>
+              <a:t>Language</a:t>
+            </a:r>
+          </a:p>
+        </p:txBody>
+      </p:sp>
+      <p:pic>
+        <p:nvPicPr>
+          <p:cNvPr id="4" name="Content Placeholder 3"/>
+          <p:cNvPicPr>
+            <a:picLocks noGrp="1" noChangeAspect="1"/>
+          </p:cNvPicPr>
+          <p:nvPr>
+            <p:ph idx="1"/>
+          </p:nvPr>
+        </p:nvPicPr>
+        <p:blipFill rotWithShape="1">
+          <a:blip r:embed="rId2"/>
+          <a:srcRect r="78763" b="82240"/>
+          <a:stretch/>
+        </p:blipFill>
+        <p:spPr>
+          <a:xfrm>
+            <a:off x="838200" y="1473200"/>
+            <a:ext cx="6038850" cy="3378835"/>
+          </a:xfrm>
+          <a:prstGeom prst="rect">
+            <a:avLst/>
+          </a:prstGeom>
+        </p:spPr>
+      </p:pic>
+      <p:sp>
+        <p:nvSpPr>
+          <p:cNvPr id="3" name="TextBox 2"/>
+          <p:cNvSpPr txBox="1"/>
+          <p:nvPr/>
+        </p:nvSpPr>
+        <p:spPr>
+          <a:xfrm>
+            <a:off x="7162799" y="1724025"/>
+            <a:ext cx="4600575" cy="2031325"/>
+          </a:xfrm>
+          <a:prstGeom prst="rect">
+            <a:avLst/>
+          </a:prstGeom>
+          <a:noFill/>
+        </p:spPr>
+        <p:txBody>
+          <a:bodyPr wrap="square" rtlCol="0">
+            <a:spAutoFit/>
+          </a:bodyPr>
+          <a:lstStyle/>
+          <a:p>
+            <a:r>
+              <a:rPr lang="en-US" dirty="0" smtClean="0"/>
+              <a:t>Button </a:t>
+            </a:r>
+            <a:r>
+              <a:rPr lang="en-US" dirty="0" err="1" smtClean="0"/>
+              <a:t>ViewList</a:t>
+            </a:r>
+            <a:r>
+              <a:rPr lang="en-US" dirty="0" smtClean="0"/>
+              <a:t>: </a:t>
+            </a:r>
+            <a:r>
+              <a:rPr lang="en-US" dirty="0" err="1" smtClean="0"/>
+              <a:t>Xem</a:t>
+            </a:r>
+            <a:r>
+              <a:rPr lang="en-US" dirty="0" smtClean="0"/>
+              <a:t> </a:t>
+            </a:r>
+            <a:r>
+              <a:rPr lang="en-US" dirty="0" err="1" smtClean="0"/>
+              <a:t>thông</a:t>
+            </a:r>
+            <a:r>
+              <a:rPr lang="en-US" dirty="0" smtClean="0"/>
+              <a:t> tin Ổ </a:t>
+            </a:r>
+            <a:r>
+              <a:rPr lang="en-US" dirty="0" err="1" smtClean="0"/>
+              <a:t>địa</a:t>
+            </a:r>
+            <a:r>
+              <a:rPr lang="en-US" dirty="0" smtClean="0"/>
+              <a:t> </a:t>
+            </a:r>
+            <a:r>
+              <a:rPr lang="en-US" dirty="0" err="1" smtClean="0"/>
+              <a:t>hoặc</a:t>
+            </a:r>
+            <a:r>
+              <a:rPr lang="en-US" dirty="0" smtClean="0"/>
+              <a:t> </a:t>
+            </a:r>
+            <a:r>
+              <a:rPr lang="en-US" dirty="0" err="1" smtClean="0"/>
+              <a:t>thư</a:t>
+            </a:r>
+            <a:r>
+              <a:rPr lang="en-US" dirty="0" smtClean="0"/>
+              <a:t> </a:t>
+            </a:r>
+            <a:r>
+              <a:rPr lang="en-US" dirty="0" err="1" smtClean="0"/>
+              <a:t>mục</a:t>
+            </a:r>
+            <a:r>
+              <a:rPr lang="en-US" dirty="0" smtClean="0"/>
+              <a:t> </a:t>
+            </a:r>
+            <a:r>
+              <a:rPr lang="en-US" dirty="0" err="1" smtClean="0"/>
+              <a:t>với</a:t>
+            </a:r>
+            <a:r>
+              <a:rPr lang="en-US" dirty="0" smtClean="0"/>
+              <a:t> </a:t>
+            </a:r>
+            <a:r>
+              <a:rPr lang="en-US" dirty="0" err="1" smtClean="0"/>
+              <a:t>dạng</a:t>
+            </a:r>
+            <a:r>
+              <a:rPr lang="en-US" dirty="0" smtClean="0"/>
+              <a:t> </a:t>
+            </a:r>
+            <a:r>
+              <a:rPr lang="en-US" dirty="0" err="1" smtClean="0"/>
+              <a:t>danh</a:t>
+            </a:r>
+            <a:r>
+              <a:rPr lang="en-US" dirty="0" smtClean="0"/>
+              <a:t> </a:t>
+            </a:r>
+            <a:r>
+              <a:rPr lang="en-US" dirty="0" err="1" smtClean="0"/>
+              <a:t>sách</a:t>
+            </a:r>
+            <a:r>
+              <a:rPr lang="en-US" dirty="0" smtClean="0"/>
+              <a:t> </a:t>
+            </a:r>
+            <a:r>
+              <a:rPr lang="en-US" dirty="0" err="1" smtClean="0"/>
+              <a:t>thu</a:t>
+            </a:r>
+            <a:r>
+              <a:rPr lang="en-US" dirty="0" smtClean="0"/>
+              <a:t> </a:t>
+            </a:r>
+            <a:r>
+              <a:rPr lang="en-US" dirty="0" err="1" smtClean="0"/>
+              <a:t>gọn</a:t>
+            </a:r>
+            <a:endParaRPr lang="en-US" dirty="0" smtClean="0"/>
+          </a:p>
+          <a:p>
+            <a:r>
+              <a:rPr lang="en-US" dirty="0" smtClean="0"/>
+              <a:t>Button View Detail:  </a:t>
+            </a:r>
+            <a:r>
+              <a:rPr lang="en-US" dirty="0" err="1"/>
+              <a:t>Xem</a:t>
+            </a:r>
+            <a:r>
+              <a:rPr lang="en-US" dirty="0"/>
+              <a:t> </a:t>
+            </a:r>
+            <a:r>
+              <a:rPr lang="en-US" dirty="0" err="1"/>
+              <a:t>thông</a:t>
+            </a:r>
+            <a:r>
+              <a:rPr lang="en-US" dirty="0"/>
+              <a:t> tin Ổ </a:t>
+            </a:r>
+            <a:r>
+              <a:rPr lang="en-US" dirty="0" err="1"/>
+              <a:t>địa</a:t>
+            </a:r>
+            <a:r>
+              <a:rPr lang="en-US" dirty="0"/>
+              <a:t> </a:t>
+            </a:r>
+            <a:r>
+              <a:rPr lang="en-US" dirty="0" err="1"/>
+              <a:t>hoặc</a:t>
+            </a:r>
+            <a:r>
+              <a:rPr lang="en-US" dirty="0"/>
+              <a:t> </a:t>
+            </a:r>
+            <a:r>
+              <a:rPr lang="en-US" dirty="0" err="1"/>
+              <a:t>thư</a:t>
+            </a:r>
+            <a:r>
+              <a:rPr lang="en-US" dirty="0"/>
+              <a:t> </a:t>
+            </a:r>
+            <a:r>
+              <a:rPr lang="en-US" dirty="0" err="1"/>
+              <a:t>mục</a:t>
+            </a:r>
+            <a:r>
+              <a:rPr lang="en-US" dirty="0"/>
+              <a:t> </a:t>
+            </a:r>
+            <a:r>
+              <a:rPr lang="en-US" dirty="0" err="1"/>
+              <a:t>với</a:t>
+            </a:r>
+            <a:r>
+              <a:rPr lang="en-US" dirty="0"/>
+              <a:t> </a:t>
+            </a:r>
+            <a:r>
+              <a:rPr lang="en-US" dirty="0" err="1"/>
+              <a:t>dạng</a:t>
+            </a:r>
+            <a:r>
+              <a:rPr lang="en-US" dirty="0"/>
+              <a:t> </a:t>
+            </a:r>
+            <a:r>
+              <a:rPr lang="en-US" dirty="0" smtClean="0"/>
+              <a:t>Chi </a:t>
+            </a:r>
+            <a:r>
+              <a:rPr lang="en-US" dirty="0" err="1" smtClean="0"/>
+              <a:t>tiết</a:t>
+            </a:r>
+            <a:endParaRPr lang="en-US" dirty="0" smtClean="0"/>
+          </a:p>
+          <a:p>
+            <a:r>
+              <a:rPr lang="en-US" dirty="0" smtClean="0"/>
+              <a:t>Button Show Tree: </a:t>
+            </a:r>
+            <a:r>
+              <a:rPr lang="en-US" dirty="0" err="1" smtClean="0"/>
+              <a:t>Ẩn</a:t>
+            </a:r>
+            <a:r>
+              <a:rPr lang="en-US" dirty="0" smtClean="0"/>
+              <a:t>/</a:t>
+            </a:r>
+            <a:r>
+              <a:rPr lang="en-US" dirty="0" err="1" smtClean="0"/>
+              <a:t>Hiện</a:t>
+            </a:r>
+            <a:r>
+              <a:rPr lang="en-US" dirty="0" smtClean="0"/>
+              <a:t> </a:t>
+            </a:r>
+            <a:r>
+              <a:rPr lang="en-US" dirty="0" err="1" smtClean="0"/>
+              <a:t>Cây</a:t>
+            </a:r>
+            <a:r>
+              <a:rPr lang="en-US" dirty="0" smtClean="0"/>
+              <a:t> </a:t>
+            </a:r>
+            <a:r>
+              <a:rPr lang="en-US" dirty="0" err="1" smtClean="0"/>
+              <a:t>thư</a:t>
+            </a:r>
+            <a:r>
+              <a:rPr lang="en-US" dirty="0" smtClean="0"/>
+              <a:t> </a:t>
+            </a:r>
+            <a:r>
+              <a:rPr lang="en-US" dirty="0" err="1" smtClean="0"/>
+              <a:t>mục</a:t>
+            </a:r>
+            <a:r>
+              <a:rPr lang="en-US" dirty="0" smtClean="0"/>
+              <a:t> </a:t>
+            </a:r>
+          </a:p>
+          <a:p>
+            <a:r>
+              <a:rPr lang="en-US" dirty="0" smtClean="0"/>
+              <a:t>Button Reload: </a:t>
+            </a:r>
+            <a:r>
+              <a:rPr lang="en-US" dirty="0" err="1" smtClean="0"/>
+              <a:t>Nạp</a:t>
+            </a:r>
+            <a:r>
+              <a:rPr lang="en-US" dirty="0" smtClean="0"/>
+              <a:t> </a:t>
+            </a:r>
+            <a:r>
+              <a:rPr lang="en-US" dirty="0" err="1" smtClean="0"/>
+              <a:t>lại</a:t>
+            </a:r>
+            <a:r>
+              <a:rPr lang="en-US" dirty="0" smtClean="0"/>
+              <a:t> </a:t>
+            </a:r>
+            <a:r>
+              <a:rPr lang="en-US" dirty="0" err="1" smtClean="0"/>
+              <a:t>chương</a:t>
+            </a:r>
+            <a:r>
+              <a:rPr lang="en-US" dirty="0" smtClean="0"/>
+              <a:t> </a:t>
+            </a:r>
+            <a:r>
+              <a:rPr lang="en-US" dirty="0" err="1" smtClean="0"/>
+              <a:t>trình</a:t>
+            </a:r>
+            <a:endParaRPr lang="en-US" dirty="0"/>
+          </a:p>
+          <a:p>
+            <a:endParaRPr lang="en-US" dirty="0"/>
+          </a:p>
+        </p:txBody>
+      </p:sp>
+    </p:spTree>
+    <p:extLst>
+      <p:ext uri="{BB962C8B-B14F-4D97-AF65-F5344CB8AC3E}">
+        <p14:creationId xmlns:p14="http://schemas.microsoft.com/office/powerpoint/2010/main" val="1219937400"/>
+      </p:ext>
+    </p:extLst>
+  </p:cSld>
+  <p:clrMapOvr>
+    <a:masterClrMapping/>
+  </p:clrMapOvr>
+</p:sld>
+</file>
+
+<file path=ppt/slides/slide12.xml><?xml version="1.0" encoding="utf-8"?>
+<p:sld xmlns:a="http://schemas.openxmlformats.org/drawingml/2006/main" xmlns:r="http://schemas.openxmlformats.org/officeDocument/2006/relationships" xmlns:p="http://schemas.openxmlformats.org/presentationml/2006/main">
+  <p:cSld>
+    <p:spTree>
+      <p:nvGrpSpPr>
+        <p:cNvPr id="1" name=""/>
+        <p:cNvGrpSpPr/>
+        <p:nvPr/>
+      </p:nvGrpSpPr>
+      <p:grpSpPr>
+        <a:xfrm>
+          <a:off x="0" y="0"/>
+          <a:ext cx="0" cy="0"/>
+          <a:chOff x="0" y="0"/>
+          <a:chExt cx="0" cy="0"/>
+        </a:xfrm>
+      </p:grpSpPr>
+      <p:sp>
+        <p:nvSpPr>
+          <p:cNvPr id="2" name="Title 1"/>
+          <p:cNvSpPr>
+            <a:spLocks noGrp="1"/>
+          </p:cNvSpPr>
+          <p:nvPr>
+            <p:ph type="title"/>
+          </p:nvPr>
+        </p:nvSpPr>
+        <p:spPr>
+          <a:xfrm>
+            <a:off x="2170288" y="500062"/>
+            <a:ext cx="10515600" cy="1325563"/>
+          </a:xfrm>
+        </p:spPr>
+        <p:txBody>
+          <a:bodyPr>
+            <a:normAutofit/>
+          </a:bodyPr>
+          <a:lstStyle/>
+          <a:p>
+            <a:r>
+              <a:rPr lang="en-US" sz="1800" b="1" dirty="0" err="1"/>
+              <a:t>ToolScrip</a:t>
+            </a:r>
+            <a:r>
+              <a:rPr lang="en-US" sz="1800" b="1" dirty="0"/>
+              <a:t> </a:t>
+            </a:r>
+            <a:r>
+              <a:rPr lang="en-US" sz="1800" b="1" dirty="0" err="1" smtClean="0"/>
+              <a:t>và</a:t>
+            </a:r>
+            <a:r>
+              <a:rPr lang="en-US" sz="1800" b="1" dirty="0" smtClean="0"/>
+              <a:t> Form About </a:t>
+            </a:r>
+            <a:r>
+              <a:rPr lang="en-US" sz="1800" b="1" dirty="0" err="1" smtClean="0"/>
+              <a:t>Sau</a:t>
+            </a:r>
+            <a:r>
+              <a:rPr lang="en-US" sz="1800" b="1" dirty="0" smtClean="0"/>
+              <a:t> </a:t>
+            </a:r>
+            <a:r>
+              <a:rPr lang="en-US" sz="1800" b="1" dirty="0" err="1" smtClean="0"/>
+              <a:t>Khi</a:t>
+            </a:r>
+            <a:r>
+              <a:rPr lang="en-US" sz="1800" b="1" dirty="0" smtClean="0"/>
+              <a:t> Click </a:t>
+            </a:r>
+            <a:r>
+              <a:rPr lang="en-US" sz="1800" b="1" dirty="0" err="1" smtClean="0"/>
+              <a:t>Vào</a:t>
+            </a:r>
+            <a:r>
+              <a:rPr lang="en-US" sz="1800" b="1" dirty="0" smtClean="0"/>
+              <a:t> </a:t>
+            </a:r>
+            <a:r>
+              <a:rPr lang="en-US" sz="1800" b="1" dirty="0" err="1" smtClean="0"/>
+              <a:t>ToolScripMenu</a:t>
+            </a:r>
+            <a:r>
+              <a:rPr lang="en-US" sz="1800" b="1" dirty="0" smtClean="0"/>
+              <a:t> About</a:t>
+            </a:r>
+            <a:endParaRPr lang="en-US" sz="1800" b="1" dirty="0"/>
+          </a:p>
+        </p:txBody>
+      </p:sp>
+      <p:pic>
+        <p:nvPicPr>
+          <p:cNvPr id="4" name="Content Placeholder 3"/>
+          <p:cNvPicPr>
+            <a:picLocks noGrp="1" noChangeAspect="1"/>
+          </p:cNvPicPr>
+          <p:nvPr>
+            <p:ph idx="1"/>
+          </p:nvPr>
+        </p:nvPicPr>
+        <p:blipFill>
+          <a:blip r:embed="rId2"/>
+          <a:stretch>
+            <a:fillRect/>
+          </a:stretch>
+        </p:blipFill>
+        <p:spPr>
+          <a:xfrm>
+            <a:off x="2228144" y="1825625"/>
+            <a:ext cx="5944306" cy="3343672"/>
+          </a:xfrm>
+          <a:prstGeom prst="rect">
+            <a:avLst/>
+          </a:prstGeom>
+        </p:spPr>
+      </p:pic>
+      <p:sp>
+        <p:nvSpPr>
+          <p:cNvPr id="3" name="TextBox 2"/>
+          <p:cNvSpPr txBox="1"/>
+          <p:nvPr/>
+        </p:nvSpPr>
+        <p:spPr>
+          <a:xfrm>
+            <a:off x="8572500" y="1895475"/>
+            <a:ext cx="2771775" cy="369332"/>
+          </a:xfrm>
+          <a:prstGeom prst="rect">
+            <a:avLst/>
+          </a:prstGeom>
+          <a:noFill/>
+        </p:spPr>
+        <p:txBody>
+          <a:bodyPr wrap="square" rtlCol="0">
+            <a:spAutoFit/>
+          </a:bodyPr>
+          <a:lstStyle/>
+          <a:p>
+            <a:r>
+              <a:rPr lang="en-US" dirty="0" err="1" smtClean="0"/>
+              <a:t>Giới</a:t>
+            </a:r>
+            <a:r>
+              <a:rPr lang="en-US" dirty="0" smtClean="0"/>
+              <a:t> </a:t>
+            </a:r>
+            <a:r>
+              <a:rPr lang="en-US" dirty="0" err="1" smtClean="0"/>
+              <a:t>Thiệu</a:t>
+            </a:r>
+            <a:r>
+              <a:rPr lang="en-US" dirty="0" smtClean="0"/>
+              <a:t> </a:t>
+            </a:r>
+            <a:endParaRPr lang="en-US" dirty="0"/>
+          </a:p>
+        </p:txBody>
+      </p:sp>
+    </p:spTree>
+    <p:extLst>
+      <p:ext uri="{BB962C8B-B14F-4D97-AF65-F5344CB8AC3E}">
+        <p14:creationId xmlns:p14="http://schemas.microsoft.com/office/powerpoint/2010/main" val="471031475"/>
+      </p:ext>
+    </p:extLst>
+  </p:cSld>
+  <p:clrMapOvr>
+    <a:masterClrMapping/>
+  </p:clrMapOvr>
+</p:sld>
+</file>
+
+<file path=ppt/slides/slide13.xml><?xml version="1.0" encoding="utf-8"?>
+<p:sld xmlns:a="http://schemas.openxmlformats.org/drawingml/2006/main" xmlns:r="http://schemas.openxmlformats.org/officeDocument/2006/relationships" xmlns:p="http://schemas.openxmlformats.org/presentationml/2006/main">
+  <p:cSld>
+    <p:spTree>
+      <p:nvGrpSpPr>
+        <p:cNvPr id="1" name=""/>
+        <p:cNvGrpSpPr/>
+        <p:nvPr/>
+      </p:nvGrpSpPr>
+      <p:grpSpPr>
+        <a:xfrm>
+          <a:off x="0" y="0"/>
+          <a:ext cx="0" cy="0"/>
+          <a:chOff x="0" y="0"/>
+          <a:chExt cx="0" cy="0"/>
+        </a:xfrm>
+      </p:grpSpPr>
+      <p:sp>
+        <p:nvSpPr>
+          <p:cNvPr id="2" name="Title 1"/>
+          <p:cNvSpPr>
+            <a:spLocks noGrp="1"/>
+          </p:cNvSpPr>
+          <p:nvPr>
+            <p:ph type="title"/>
+          </p:nvPr>
+        </p:nvSpPr>
+        <p:spPr>
+          <a:xfrm>
+            <a:off x="1076325" y="374650"/>
+            <a:ext cx="10515600" cy="1325563"/>
+          </a:xfrm>
+        </p:spPr>
+        <p:txBody>
+          <a:bodyPr>
+            <a:normAutofit/>
+          </a:bodyPr>
+          <a:lstStyle/>
+          <a:p>
+            <a:r>
+              <a:rPr lang="en-US" sz="1800" b="1" dirty="0" smtClean="0"/>
               <a:t>Thanh </a:t>
             </a:r>
             <a:r>
-              <a:rPr lang="en-US" sz="1800" dirty="0" err="1" smtClean="0"/>
+              <a:rPr lang="en-US" sz="1800" b="1" dirty="0" err="1" smtClean="0"/>
               <a:t>ToolScrip</a:t>
             </a:r>
             <a:r>
-              <a:rPr lang="en-US" sz="1800" dirty="0" smtClean="0"/>
-              <a:t> </a:t>
-            </a:r>
-            <a:r>
-              <a:rPr lang="en-US" sz="1800" dirty="0" err="1" smtClean="0"/>
+              <a:rPr lang="en-US" sz="1800" b="1" dirty="0" smtClean="0"/>
+              <a:t> </a:t>
+            </a:r>
+            <a:r>
+              <a:rPr lang="en-US" sz="1800" b="1" dirty="0" err="1" smtClean="0"/>
               <a:t>gồm</a:t>
             </a:r>
             <a:r>
-              <a:rPr lang="en-US" sz="1800" dirty="0" smtClean="0"/>
-              <a:t> </a:t>
-            </a:r>
-            <a:r>
-              <a:rPr lang="en-US" sz="1800" dirty="0" err="1" smtClean="0"/>
+              <a:rPr lang="en-US" sz="1800" b="1" dirty="0" smtClean="0"/>
+              <a:t> </a:t>
+            </a:r>
+            <a:r>
+              <a:rPr lang="en-US" sz="1800" b="1" dirty="0" err="1" smtClean="0"/>
               <a:t>các</a:t>
             </a:r>
             <a:r>
-              <a:rPr lang="en-US" sz="1800" dirty="0" smtClean="0"/>
-              <a:t> </a:t>
-            </a:r>
-            <a:r>
-              <a:rPr lang="en-US" sz="1800" dirty="0" err="1" smtClean="0"/>
+              <a:rPr lang="en-US" sz="1800" b="1" dirty="0" smtClean="0"/>
+              <a:t> </a:t>
+            </a:r>
+            <a:r>
+              <a:rPr lang="en-US" sz="1800" b="1" dirty="0" err="1" smtClean="0"/>
               <a:t>ToolScripButton</a:t>
             </a:r>
             <a:r>
-              <a:rPr lang="en-US" sz="1800" dirty="0" smtClean="0"/>
+              <a:rPr lang="en-US" sz="1800" b="1" dirty="0" smtClean="0"/>
               <a:t> (Reload, Back, Forward, Search, </a:t>
             </a:r>
             <a:r>
-              <a:rPr lang="en-US" sz="1800" dirty="0" err="1" smtClean="0"/>
+              <a:rPr lang="en-US" sz="1800" b="1" dirty="0" err="1" smtClean="0"/>
               <a:t>ShowTree</a:t>
             </a:r>
             <a:r>
-              <a:rPr lang="en-US" sz="1800" dirty="0" smtClean="0"/>
+              <a:rPr lang="en-US" sz="1800" b="1" dirty="0" smtClean="0"/>
               <a:t>, </a:t>
             </a:r>
             <a:r>
-              <a:rPr lang="en-US" sz="1800" dirty="0" err="1" smtClean="0"/>
+              <a:rPr lang="en-US" sz="1800" b="1" dirty="0" err="1" smtClean="0"/>
               <a:t>ViewList</a:t>
             </a:r>
             <a:r>
-              <a:rPr lang="en-US" sz="1800" dirty="0" smtClean="0"/>
+              <a:rPr lang="en-US" sz="1800" b="1" dirty="0" smtClean="0"/>
               <a:t>, </a:t>
             </a:r>
             <a:r>
-              <a:rPr lang="en-US" sz="1800" dirty="0" err="1" smtClean="0"/>
+              <a:rPr lang="en-US" sz="1800" b="1" dirty="0" err="1" smtClean="0"/>
               <a:t>ViewTree,SwapList</a:t>
             </a:r>
             <a:r>
-              <a:rPr lang="en-US" sz="1800" dirty="0" smtClean="0"/>
+              <a:rPr lang="en-US" sz="1800" b="1" dirty="0" smtClean="0"/>
               <a:t>)</a:t>
             </a:r>
-            <a:endParaRPr lang="en-US" sz="1800" dirty="0"/>
+            <a:endParaRPr lang="en-US" sz="1800" b="1" dirty="0"/>
           </a:p>
         </p:txBody>
       </p:sp>
@@ -3352,110 +4735,6 @@
 </p:sld>
 </file>
 
-<file path=ppt/slides/slide12.xml><?xml version="1.0" encoding="utf-8"?>
-<p:sld xmlns:a="http://schemas.openxmlformats.org/drawingml/2006/main" xmlns:r="http://schemas.openxmlformats.org/officeDocument/2006/relationships" xmlns:p="http://schemas.openxmlformats.org/presentationml/2006/main">
-  <p:cSld>
-    <p:spTree>
-      <p:nvGrpSpPr>
-        <p:cNvPr id="1" name=""/>
-        <p:cNvGrpSpPr/>
-        <p:nvPr/>
-      </p:nvGrpSpPr>
-      <p:grpSpPr>
-        <a:xfrm>
-          <a:off x="0" y="0"/>
-          <a:ext cx="0" cy="0"/>
-          <a:chOff x="0" y="0"/>
-          <a:chExt cx="0" cy="0"/>
-        </a:xfrm>
-      </p:grpSpPr>
-      <p:sp>
-        <p:nvSpPr>
-          <p:cNvPr id="2" name="Title 1"/>
-          <p:cNvSpPr>
-            <a:spLocks noGrp="1"/>
-          </p:cNvSpPr>
-          <p:nvPr>
-            <p:ph type="title"/>
-          </p:nvPr>
-        </p:nvSpPr>
-        <p:spPr/>
-        <p:txBody>
-          <a:bodyPr>
-            <a:normAutofit/>
-          </a:bodyPr>
-          <a:lstStyle/>
-          <a:p>
-            <a:r>
-              <a:rPr lang="en-US" sz="1800" dirty="0" smtClean="0"/>
-              <a:t>Form Search </a:t>
-            </a:r>
-            <a:r>
-              <a:rPr lang="en-US" sz="1800" dirty="0" err="1" smtClean="0"/>
-              <a:t>sau</a:t>
-            </a:r>
-            <a:r>
-              <a:rPr lang="en-US" sz="1800" dirty="0" smtClean="0"/>
-              <a:t> </a:t>
-            </a:r>
-            <a:r>
-              <a:rPr lang="en-US" sz="1800" dirty="0" err="1" smtClean="0"/>
-              <a:t>khi</a:t>
-            </a:r>
-            <a:r>
-              <a:rPr lang="en-US" sz="1800" dirty="0" smtClean="0"/>
-              <a:t> click </a:t>
-            </a:r>
-            <a:r>
-              <a:rPr lang="en-US" sz="1800" dirty="0" err="1" smtClean="0"/>
-              <a:t>ToolScripButton</a:t>
-            </a:r>
-            <a:r>
-              <a:rPr lang="en-US" sz="1800" dirty="0" smtClean="0"/>
-              <a:t> Search</a:t>
-            </a:r>
-            <a:endParaRPr lang="en-US" sz="1800" dirty="0"/>
-          </a:p>
-        </p:txBody>
-      </p:sp>
-      <p:pic>
-        <p:nvPicPr>
-          <p:cNvPr id="4" name="Content Placeholder 3"/>
-          <p:cNvPicPr>
-            <a:picLocks noGrp="1" noChangeAspect="1"/>
-          </p:cNvPicPr>
-          <p:nvPr>
-            <p:ph idx="1"/>
-          </p:nvPr>
-        </p:nvPicPr>
-        <p:blipFill rotWithShape="1">
-          <a:blip r:embed="rId2"/>
-          <a:srcRect l="2127" t="11807" r="55221" b="41786"/>
-          <a:stretch/>
-        </p:blipFill>
-        <p:spPr>
-          <a:xfrm>
-            <a:off x="1722120" y="1851660"/>
-            <a:ext cx="5448300" cy="3334410"/>
-          </a:xfrm>
-          <a:prstGeom prst="rect">
-            <a:avLst/>
-          </a:prstGeom>
-        </p:spPr>
-      </p:pic>
-    </p:spTree>
-    <p:extLst>
-      <p:ext uri="{BB962C8B-B14F-4D97-AF65-F5344CB8AC3E}">
-        <p14:creationId xmlns:p14="http://schemas.microsoft.com/office/powerpoint/2010/main" val="3904714062"/>
-      </p:ext>
-    </p:extLst>
-  </p:cSld>
-  <p:clrMapOvr>
-    <a:masterClrMapping/>
-  </p:clrMapOvr>
-</p:sld>
-</file>
-
 <file path=ppt/slides/slide2.xml><?xml version="1.0" encoding="utf-8"?>
 <p:sld xmlns:a="http://schemas.openxmlformats.org/drawingml/2006/main" xmlns:r="http://schemas.openxmlformats.org/officeDocument/2006/relationships" xmlns:p="http://schemas.openxmlformats.org/presentationml/2006/main">
   <p:cSld>
@@ -3473,96 +4752,186 @@
           <a:chExt cx="0" cy="0"/>
         </a:xfrm>
       </p:grpSpPr>
-      <p:sp>
-        <p:nvSpPr>
-          <p:cNvPr id="2" name="Title 1"/>
-          <p:cNvSpPr>
-            <a:spLocks noGrp="1"/>
-          </p:cNvSpPr>
-          <p:nvPr>
-            <p:ph type="title"/>
-          </p:nvPr>
-        </p:nvSpPr>
-        <p:spPr/>
-        <p:txBody>
-          <a:bodyPr>
-            <a:normAutofit/>
-          </a:bodyPr>
-          <a:lstStyle/>
-          <a:p>
-            <a:r>
-              <a:rPr lang="en-US" sz="1800" dirty="0" smtClean="0"/>
-              <a:t>Form </a:t>
-            </a:r>
-            <a:r>
-              <a:rPr lang="en-US" sz="1800" dirty="0" err="1" smtClean="0"/>
-              <a:t>NewFolder</a:t>
-            </a:r>
-            <a:r>
-              <a:rPr lang="en-US" sz="1800" dirty="0" smtClean="0"/>
-              <a:t> </a:t>
-            </a:r>
-            <a:r>
-              <a:rPr lang="en-US" sz="1800" dirty="0" err="1" smtClean="0"/>
-              <a:t>Sau</a:t>
-            </a:r>
-            <a:r>
-              <a:rPr lang="en-US" sz="1800" dirty="0" smtClean="0"/>
-              <a:t> </a:t>
-            </a:r>
-            <a:r>
-              <a:rPr lang="en-US" sz="1800" dirty="0" err="1" smtClean="0"/>
-              <a:t>khi</a:t>
-            </a:r>
-            <a:r>
-              <a:rPr lang="en-US" sz="1800" dirty="0" smtClean="0"/>
-              <a:t> click </a:t>
-            </a:r>
-            <a:r>
-              <a:rPr lang="en-US" sz="1800" dirty="0" err="1" smtClean="0"/>
-              <a:t>vào</a:t>
-            </a:r>
-            <a:r>
-              <a:rPr lang="en-US" sz="1800" dirty="0" smtClean="0"/>
-              <a:t>  button </a:t>
-            </a:r>
-            <a:r>
-              <a:rPr lang="en-US" sz="1800" dirty="0" err="1" smtClean="0"/>
-              <a:t>NewFolder</a:t>
-            </a:r>
-            <a:endParaRPr lang="en-US" sz="1800" dirty="0"/>
-          </a:p>
-        </p:txBody>
-      </p:sp>
       <p:pic>
         <p:nvPicPr>
-          <p:cNvPr id="5" name="Content Placeholder 4"/>
+          <p:cNvPr id="6" name="Picture 5"/>
           <p:cNvPicPr>
-            <a:picLocks noGrp="1" noChangeAspect="1"/>
+            <a:picLocks noChangeAspect="1"/>
           </p:cNvPicPr>
-          <p:nvPr>
-            <p:ph idx="1"/>
-          </p:nvPr>
+          <p:nvPr/>
         </p:nvPicPr>
-        <p:blipFill rotWithShape="1">
+        <p:blipFill>
           <a:blip r:embed="rId2"/>
-          <a:srcRect l="40386" t="40638" r="40030" b="44441"/>
-          <a:stretch/>
+          <a:stretch>
+            <a:fillRect/>
+          </a:stretch>
         </p:blipFill>
         <p:spPr>
           <a:xfrm>
-            <a:off x="1638300" y="2024745"/>
-            <a:ext cx="8721726" cy="3737880"/>
+            <a:off x="793345" y="784741"/>
+            <a:ext cx="9093605" cy="4925703"/>
           </a:xfrm>
           <a:prstGeom prst="rect">
             <a:avLst/>
           </a:prstGeom>
         </p:spPr>
       </p:pic>
+      <p:sp>
+        <p:nvSpPr>
+          <p:cNvPr id="7" name="TextBox 6"/>
+          <p:cNvSpPr txBox="1"/>
+          <p:nvPr/>
+        </p:nvSpPr>
+        <p:spPr>
+          <a:xfrm>
+            <a:off x="793345" y="415409"/>
+            <a:ext cx="3892955" cy="369332"/>
+          </a:xfrm>
+          <a:prstGeom prst="rect">
+            <a:avLst/>
+          </a:prstGeom>
+          <a:noFill/>
+        </p:spPr>
+        <p:txBody>
+          <a:bodyPr wrap="square" rtlCol="0">
+            <a:spAutoFit/>
+          </a:bodyPr>
+          <a:lstStyle/>
+          <a:p>
+            <a:r>
+              <a:rPr lang="en-US" dirty="0" smtClean="0"/>
+              <a:t>Form </a:t>
+            </a:r>
+            <a:r>
+              <a:rPr lang="en-US" dirty="0" err="1" smtClean="0"/>
+              <a:t>Chính</a:t>
+            </a:r>
+            <a:r>
+              <a:rPr lang="en-US" dirty="0" smtClean="0"/>
+              <a:t> </a:t>
+            </a:r>
+            <a:r>
+              <a:rPr lang="en-US" dirty="0" err="1" smtClean="0"/>
+              <a:t>Sau</a:t>
+            </a:r>
+            <a:r>
+              <a:rPr lang="en-US" dirty="0" smtClean="0"/>
+              <a:t> </a:t>
+            </a:r>
+            <a:r>
+              <a:rPr lang="en-US" dirty="0" err="1" smtClean="0"/>
+              <a:t>Khi</a:t>
+            </a:r>
+            <a:r>
+              <a:rPr lang="en-US" dirty="0" smtClean="0"/>
+              <a:t> </a:t>
+            </a:r>
+            <a:r>
+              <a:rPr lang="en-US" dirty="0" err="1" smtClean="0"/>
+              <a:t>Chạy</a:t>
+            </a:r>
+            <a:r>
+              <a:rPr lang="en-US" dirty="0" smtClean="0"/>
+              <a:t> </a:t>
+            </a:r>
+            <a:r>
+              <a:rPr lang="en-US" dirty="0" err="1" smtClean="0"/>
+              <a:t>Chương</a:t>
+            </a:r>
+            <a:r>
+              <a:rPr lang="en-US" dirty="0" smtClean="0"/>
+              <a:t> </a:t>
+            </a:r>
+            <a:r>
+              <a:rPr lang="en-US" dirty="0" err="1" smtClean="0"/>
+              <a:t>Trình</a:t>
+            </a:r>
+            <a:endParaRPr lang="en-US" dirty="0"/>
+          </a:p>
+        </p:txBody>
+      </p:sp>
+      <p:sp>
+        <p:nvSpPr>
+          <p:cNvPr id="3" name="TextBox 2"/>
+          <p:cNvSpPr txBox="1"/>
+          <p:nvPr/>
+        </p:nvSpPr>
+        <p:spPr>
+          <a:xfrm>
+            <a:off x="793344" y="5797034"/>
+            <a:ext cx="9093605" cy="369332"/>
+          </a:xfrm>
+          <a:prstGeom prst="rect">
+            <a:avLst/>
+          </a:prstGeom>
+          <a:noFill/>
+        </p:spPr>
+        <p:txBody>
+          <a:bodyPr wrap="square" rtlCol="0">
+            <a:spAutoFit/>
+          </a:bodyPr>
+          <a:lstStyle/>
+          <a:p>
+            <a:r>
+              <a:rPr lang="en-US" dirty="0" err="1" smtClean="0"/>
+              <a:t>Gồm</a:t>
+            </a:r>
+            <a:r>
+              <a:rPr lang="en-US" dirty="0"/>
+              <a:t> </a:t>
+            </a:r>
+            <a:r>
+              <a:rPr lang="en-US" dirty="0" err="1" smtClean="0"/>
+              <a:t>các</a:t>
+            </a:r>
+            <a:r>
+              <a:rPr lang="en-US" dirty="0" smtClean="0"/>
+              <a:t> Button </a:t>
+            </a:r>
+            <a:r>
+              <a:rPr lang="en-US" dirty="0" err="1" smtClean="0"/>
+              <a:t>chức</a:t>
+            </a:r>
+            <a:r>
+              <a:rPr lang="en-US" dirty="0" smtClean="0"/>
+              <a:t> </a:t>
+            </a:r>
+            <a:r>
+              <a:rPr lang="en-US" dirty="0" err="1" smtClean="0"/>
+              <a:t>năng</a:t>
+            </a:r>
+            <a:r>
+              <a:rPr lang="en-US" dirty="0" smtClean="0"/>
+              <a:t> </a:t>
+            </a:r>
+            <a:r>
+              <a:rPr lang="en-US" dirty="0" err="1" smtClean="0"/>
+              <a:t>của</a:t>
+            </a:r>
+            <a:r>
+              <a:rPr lang="en-US" dirty="0" smtClean="0"/>
+              <a:t> </a:t>
+            </a:r>
+            <a:r>
+              <a:rPr lang="en-US" dirty="0" err="1" smtClean="0"/>
+              <a:t>phần</a:t>
+            </a:r>
+            <a:r>
+              <a:rPr lang="en-US" dirty="0" smtClean="0"/>
+              <a:t> </a:t>
+            </a:r>
+            <a:r>
+              <a:rPr lang="en-US" dirty="0" err="1" smtClean="0"/>
+              <a:t>mềm</a:t>
+            </a:r>
+            <a:endParaRPr lang="en-US" dirty="0"/>
+          </a:p>
+        </p:txBody>
+      </p:sp>
     </p:spTree>
     <p:extLst>
       <p:ext uri="{BB962C8B-B14F-4D97-AF65-F5344CB8AC3E}">
-        <p14:creationId xmlns:p14="http://schemas.microsoft.com/office/powerpoint/2010/main" val="3962627878"/>
+        <p14:creationId xmlns:p14="http://schemas.microsoft.com/office/powerpoint/2010/main" val="4239688325"/>
       </p:ext>
     </p:extLst>
   </p:cSld>
@@ -3599,7 +4968,12 @@
             <p:ph type="title"/>
           </p:nvPr>
         </p:nvSpPr>
-        <p:spPr/>
+        <p:spPr>
+          <a:xfrm>
+            <a:off x="1158240" y="302942"/>
+            <a:ext cx="8267700" cy="1325563"/>
+          </a:xfrm>
+        </p:spPr>
         <p:txBody>
           <a:bodyPr>
             <a:normAutofit/>
@@ -3607,100 +4981,52 @@
           <a:lstStyle/>
           <a:p>
             <a:r>
-              <a:rPr lang="en-US" sz="1800" dirty="0" smtClean="0"/>
-              <a:t>Form Copy </a:t>
-            </a:r>
-            <a:r>
-              <a:rPr lang="en-US" sz="1800" dirty="0" err="1" smtClean="0"/>
-              <a:t>Hiện</a:t>
-            </a:r>
-            <a:r>
-              <a:rPr lang="en-US" sz="1800" dirty="0" smtClean="0"/>
-              <a:t> Ra </a:t>
-            </a:r>
-            <a:r>
-              <a:rPr lang="en-US" sz="1800" dirty="0" err="1" smtClean="0"/>
-              <a:t>sau</a:t>
-            </a:r>
-            <a:r>
-              <a:rPr lang="en-US" sz="1800" dirty="0" smtClean="0"/>
-              <a:t> </a:t>
-            </a:r>
-            <a:r>
-              <a:rPr lang="en-US" sz="1800" dirty="0" err="1" smtClean="0"/>
+              <a:rPr lang="en-US" sz="1800" b="1" dirty="0" smtClean="0"/>
+              <a:t>Form </a:t>
+            </a:r>
+            <a:r>
+              <a:rPr lang="en-US" sz="1800" b="1" dirty="0" err="1" smtClean="0"/>
+              <a:t>NewFolder</a:t>
+            </a:r>
+            <a:r>
+              <a:rPr lang="en-US" sz="1800" b="1" dirty="0" smtClean="0"/>
+              <a:t> </a:t>
+            </a:r>
+            <a:r>
+              <a:rPr lang="en-US" sz="1800" b="1" dirty="0" err="1" smtClean="0"/>
+              <a:t>Sau</a:t>
+            </a:r>
+            <a:r>
+              <a:rPr lang="en-US" sz="1800" b="1" dirty="0" smtClean="0"/>
+              <a:t> </a:t>
+            </a:r>
+            <a:r>
+              <a:rPr lang="en-US" sz="1800" b="1" dirty="0" err="1" smtClean="0"/>
               <a:t>khi</a:t>
             </a:r>
             <a:r>
-              <a:rPr lang="en-US" sz="1800" dirty="0" smtClean="0"/>
-              <a:t> </a:t>
-            </a:r>
-            <a:r>
-              <a:rPr lang="en-US" sz="1800" dirty="0" err="1" smtClean="0"/>
-              <a:t>chọn</a:t>
-            </a:r>
-            <a:r>
-              <a:rPr lang="en-US" sz="1800" dirty="0" smtClean="0"/>
-              <a:t> </a:t>
-            </a:r>
-            <a:r>
-              <a:rPr lang="en-US" sz="1800" dirty="0" err="1" smtClean="0"/>
-              <a:t>Thư</a:t>
-            </a:r>
-            <a:r>
-              <a:rPr lang="en-US" sz="1800" dirty="0" smtClean="0"/>
-              <a:t> </a:t>
-            </a:r>
-            <a:r>
-              <a:rPr lang="en-US" sz="1800" dirty="0" err="1" smtClean="0"/>
-              <a:t>mục</a:t>
-            </a:r>
-            <a:r>
-              <a:rPr lang="en-US" sz="1800" dirty="0" smtClean="0"/>
-              <a:t> </a:t>
-            </a:r>
-            <a:r>
-              <a:rPr lang="en-US" sz="1800" dirty="0" err="1" smtClean="0"/>
-              <a:t>hoặc</a:t>
-            </a:r>
-            <a:r>
-              <a:rPr lang="en-US" sz="1800" dirty="0" smtClean="0"/>
-              <a:t> </a:t>
-            </a:r>
-            <a:r>
-              <a:rPr lang="en-US" sz="1800" dirty="0" err="1" smtClean="0"/>
-              <a:t>tệp</a:t>
-            </a:r>
-            <a:r>
-              <a:rPr lang="en-US" sz="1800" dirty="0" smtClean="0"/>
-              <a:t> </a:t>
-            </a:r>
-            <a:r>
-              <a:rPr lang="en-US" sz="1800" dirty="0" err="1" smtClean="0"/>
-              <a:t>cần</a:t>
-            </a:r>
-            <a:r>
-              <a:rPr lang="en-US" sz="1800" dirty="0"/>
-              <a:t> </a:t>
-            </a:r>
-            <a:r>
-              <a:rPr lang="en-US" sz="1800" dirty="0" smtClean="0"/>
-              <a:t>copy </a:t>
-            </a:r>
-            <a:r>
-              <a:rPr lang="en-US" sz="1800" dirty="0" err="1" smtClean="0"/>
-              <a:t>và</a:t>
-            </a:r>
-            <a:r>
-              <a:rPr lang="en-US" sz="1800" dirty="0" smtClean="0"/>
-              <a:t> click Button Copy</a:t>
-            </a:r>
-            <a:endParaRPr lang="en-US" sz="1800" dirty="0"/>
+              <a:rPr lang="en-US" sz="1800" b="1" dirty="0" smtClean="0"/>
+              <a:t> click </a:t>
+            </a:r>
+            <a:r>
+              <a:rPr lang="en-US" sz="1800" b="1" dirty="0" err="1" smtClean="0"/>
+              <a:t>vào</a:t>
+            </a:r>
+            <a:r>
+              <a:rPr lang="en-US" sz="1800" b="1" dirty="0" smtClean="0"/>
+              <a:t>  button </a:t>
+            </a:r>
+            <a:r>
+              <a:rPr lang="en-US" sz="1800" b="1" dirty="0" err="1" smtClean="0"/>
+              <a:t>NewFolder</a:t>
+            </a:r>
+            <a:endParaRPr lang="en-US" sz="1800" b="1" dirty="0"/>
           </a:p>
         </p:txBody>
       </p:sp>
       <p:pic>
         <p:nvPicPr>
-          <p:cNvPr id="4" name="Content Placeholder 3"/>
+          <p:cNvPr id="5" name="Content Placeholder 4"/>
           <p:cNvPicPr>
             <a:picLocks noGrp="1" noChangeAspect="1"/>
           </p:cNvPicPr>
@@ -3710,13 +5036,13 @@
         </p:nvPicPr>
         <p:blipFill rotWithShape="1">
           <a:blip r:embed="rId2"/>
-          <a:srcRect l="9613" t="15833" r="47045" b="64247"/>
+          <a:srcRect l="40625" t="40790" r="40810" b="45057"/>
           <a:stretch/>
         </p:blipFill>
         <p:spPr>
           <a:xfrm>
-            <a:off x="962024" y="1238250"/>
-            <a:ext cx="7221407" cy="1866900"/>
+            <a:off x="1158240" y="1352280"/>
+            <a:ext cx="8267700" cy="3545475"/>
           </a:xfrm>
           <a:prstGeom prst="rect">
             <a:avLst/>
@@ -3725,14 +5051,14 @@
       </p:pic>
       <p:sp>
         <p:nvSpPr>
-          <p:cNvPr id="7" name="TextBox 6"/>
+          <p:cNvPr id="3" name="TextBox 2"/>
           <p:cNvSpPr txBox="1"/>
           <p:nvPr/>
         </p:nvSpPr>
         <p:spPr>
           <a:xfrm>
-            <a:off x="1095375" y="3457575"/>
-            <a:ext cx="6924675" cy="369332"/>
+            <a:off x="1276350" y="5391150"/>
+            <a:ext cx="8149590" cy="369332"/>
           </a:xfrm>
           <a:prstGeom prst="rect">
             <a:avLst/>
@@ -3746,80 +5072,53 @@
           <a:lstStyle/>
           <a:p>
             <a:r>
-              <a:rPr lang="en-US" dirty="0" smtClean="0"/>
-              <a:t>Form </a:t>
-            </a:r>
-            <a:r>
-              <a:rPr lang="en-US" dirty="0" err="1" smtClean="0"/>
-              <a:t>Chọn</a:t>
-            </a:r>
-            <a:r>
-              <a:rPr lang="en-US" dirty="0" smtClean="0"/>
-              <a:t> </a:t>
-            </a:r>
-            <a:r>
-              <a:rPr lang="en-US" dirty="0" err="1" smtClean="0"/>
-              <a:t>đường</a:t>
-            </a:r>
-            <a:r>
-              <a:rPr lang="en-US" dirty="0" smtClean="0"/>
-              <a:t> </a:t>
-            </a:r>
-            <a:r>
-              <a:rPr lang="en-US" dirty="0" err="1" smtClean="0"/>
-              <a:t>dẫn</a:t>
-            </a:r>
-            <a:r>
-              <a:rPr lang="en-US" dirty="0" smtClean="0"/>
-              <a:t> </a:t>
-            </a:r>
-            <a:r>
-              <a:rPr lang="en-US" dirty="0" err="1" smtClean="0"/>
-              <a:t>để</a:t>
-            </a:r>
-            <a:r>
-              <a:rPr lang="en-US" dirty="0" smtClean="0"/>
-              <a:t> paste </a:t>
-            </a:r>
-            <a:r>
-              <a:rPr lang="en-US" dirty="0" err="1" smtClean="0"/>
-              <a:t>phần</a:t>
-            </a:r>
-            <a:r>
-              <a:rPr lang="en-US" dirty="0" smtClean="0"/>
-              <a:t> copy</a:t>
+              <a:rPr lang="en-US" dirty="0" err="1" smtClean="0"/>
+              <a:t>Nhập</a:t>
+            </a:r>
+            <a:r>
+              <a:rPr lang="en-US" dirty="0" smtClean="0"/>
+              <a:t> </a:t>
+            </a:r>
+            <a:r>
+              <a:rPr lang="en-US" dirty="0" err="1" smtClean="0"/>
+              <a:t>tên</a:t>
+            </a:r>
+            <a:r>
+              <a:rPr lang="en-US" dirty="0" smtClean="0"/>
+              <a:t> </a:t>
+            </a:r>
+            <a:r>
+              <a:rPr lang="en-US" dirty="0" err="1" smtClean="0"/>
+              <a:t>và</a:t>
+            </a:r>
+            <a:r>
+              <a:rPr lang="en-US" dirty="0" smtClean="0"/>
+              <a:t> </a:t>
+            </a:r>
+            <a:r>
+              <a:rPr lang="en-US" dirty="0" err="1" smtClean="0"/>
+              <a:t>tạo</a:t>
+            </a:r>
+            <a:r>
+              <a:rPr lang="en-US" dirty="0" smtClean="0"/>
+              <a:t> 1 Folder </a:t>
+            </a:r>
+            <a:r>
+              <a:rPr lang="en-US" dirty="0" err="1" smtClean="0"/>
+              <a:t>mới</a:t>
+            </a:r>
+            <a:r>
+              <a:rPr lang="en-US" dirty="0" smtClean="0"/>
+              <a:t>.</a:t>
             </a:r>
             <a:endParaRPr lang="en-US" dirty="0"/>
           </a:p>
         </p:txBody>
       </p:sp>
-      <p:pic>
-        <p:nvPicPr>
-          <p:cNvPr id="8" name="Picture 7"/>
-          <p:cNvPicPr>
-            <a:picLocks noChangeAspect="1"/>
-          </p:cNvPicPr>
-          <p:nvPr/>
-        </p:nvPicPr>
-        <p:blipFill rotWithShape="1">
-          <a:blip r:embed="rId3"/>
-          <a:srcRect l="8571" t="3493" r="40817" b="33378"/>
-          <a:stretch/>
-        </p:blipFill>
-        <p:spPr>
-          <a:xfrm>
-            <a:off x="1095375" y="3891049"/>
-            <a:ext cx="4515716" cy="2690034"/>
-          </a:xfrm>
-          <a:prstGeom prst="rect">
-            <a:avLst/>
-          </a:prstGeom>
-        </p:spPr>
-      </p:pic>
     </p:spTree>
     <p:extLst>
       <p:ext uri="{BB962C8B-B14F-4D97-AF65-F5344CB8AC3E}">
-        <p14:creationId xmlns:p14="http://schemas.microsoft.com/office/powerpoint/2010/main" val="3426662633"/>
+        <p14:creationId xmlns:p14="http://schemas.microsoft.com/office/powerpoint/2010/main" val="3962627878"/>
       </p:ext>
     </p:extLst>
   </p:cSld>
@@ -3856,7 +5155,12 @@
             <p:ph type="title"/>
           </p:nvPr>
         </p:nvSpPr>
-        <p:spPr/>
+        <p:spPr>
+          <a:xfrm>
+            <a:off x="962025" y="107950"/>
+            <a:ext cx="7743825" cy="1325563"/>
+          </a:xfrm>
+        </p:spPr>
         <p:txBody>
           <a:bodyPr>
             <a:normAutofit/>
@@ -3864,94 +5168,94 @@
           <a:lstStyle/>
           <a:p>
             <a:r>
-              <a:rPr lang="en-US" sz="1800" dirty="0" smtClean="0"/>
-              <a:t>Form </a:t>
-            </a:r>
-            <a:r>
-              <a:rPr lang="en-US" sz="1800" dirty="0" err="1" smtClean="0"/>
-              <a:t>CopyProCess</a:t>
-            </a:r>
-            <a:r>
-              <a:rPr lang="en-US" sz="1800" dirty="0" smtClean="0"/>
-              <a:t> </a:t>
-            </a:r>
-            <a:r>
-              <a:rPr lang="en-US" sz="1800" dirty="0" err="1" smtClean="0"/>
+              <a:rPr lang="en-US" sz="1800" b="1" dirty="0" smtClean="0"/>
+              <a:t>Form Copy </a:t>
+            </a:r>
+            <a:r>
+              <a:rPr lang="en-US" sz="1800" b="1" dirty="0" err="1" smtClean="0"/>
+              <a:t>Hiện</a:t>
+            </a:r>
+            <a:r>
+              <a:rPr lang="en-US" sz="1800" b="1" dirty="0" smtClean="0"/>
+              <a:t> Ra </a:t>
+            </a:r>
+            <a:r>
+              <a:rPr lang="en-US" sz="1800" b="1" dirty="0" err="1" smtClean="0"/>
               <a:t>sau</a:t>
             </a:r>
             <a:r>
-              <a:rPr lang="en-US" sz="1800" dirty="0" smtClean="0"/>
-              <a:t> </a:t>
-            </a:r>
-            <a:r>
-              <a:rPr lang="en-US" sz="1800" dirty="0" err="1" smtClean="0"/>
+              <a:rPr lang="en-US" sz="1800" b="1" dirty="0" smtClean="0"/>
+              <a:t> </a:t>
+            </a:r>
+            <a:r>
+              <a:rPr lang="en-US" sz="1800" b="1" dirty="0" err="1" smtClean="0"/>
               <a:t>khi</a:t>
             </a:r>
             <a:r>
-              <a:rPr lang="en-US" sz="1800" dirty="0"/>
-              <a:t> </a:t>
-            </a:r>
-            <a:r>
-              <a:rPr lang="en-US" sz="1800" dirty="0" err="1" smtClean="0"/>
-              <a:t>Chọn</a:t>
-            </a:r>
-            <a:r>
-              <a:rPr lang="en-US" sz="1800" dirty="0" smtClean="0"/>
-              <a:t> Copy </a:t>
-            </a:r>
-            <a:r>
-              <a:rPr lang="en-US" sz="1800" dirty="0" err="1" smtClean="0"/>
-              <a:t>nếu</a:t>
-            </a:r>
-            <a:r>
-              <a:rPr lang="en-US" sz="1800" dirty="0" smtClean="0"/>
-              <a:t> </a:t>
-            </a:r>
-            <a:r>
-              <a:rPr lang="en-US" sz="1800" dirty="0" err="1" smtClean="0"/>
-              <a:t>quá</a:t>
-            </a:r>
-            <a:r>
-              <a:rPr lang="en-US" sz="1800" dirty="0" smtClean="0"/>
-              <a:t> </a:t>
-            </a:r>
-            <a:r>
-              <a:rPr lang="en-US" sz="1800" dirty="0" err="1" smtClean="0"/>
-              <a:t>trình</a:t>
-            </a:r>
-            <a:r>
-              <a:rPr lang="en-US" sz="1800" dirty="0" smtClean="0"/>
-              <a:t> copy </a:t>
-            </a:r>
-            <a:r>
-              <a:rPr lang="en-US" sz="1800" dirty="0" err="1" smtClean="0"/>
-              <a:t>có</a:t>
-            </a:r>
-            <a:r>
-              <a:rPr lang="en-US" sz="1800" dirty="0" smtClean="0"/>
-              <a:t> </a:t>
-            </a:r>
-            <a:r>
-              <a:rPr lang="en-US" sz="1800" dirty="0" err="1" smtClean="0"/>
-              <a:t>thời</a:t>
-            </a:r>
-            <a:r>
-              <a:rPr lang="en-US" sz="1800" dirty="0" smtClean="0"/>
-              <a:t> </a:t>
-            </a:r>
-            <a:r>
-              <a:rPr lang="en-US" sz="1800" dirty="0" err="1" smtClean="0"/>
-              <a:t>gian</a:t>
-            </a:r>
-            <a:r>
-              <a:rPr lang="en-US" sz="1800" dirty="0" smtClean="0"/>
-              <a:t> </a:t>
-            </a:r>
-            <a:r>
-              <a:rPr lang="en-US" sz="1800" dirty="0" err="1" smtClean="0"/>
-              <a:t>lâu</a:t>
-            </a:r>
-            <a:endParaRPr lang="en-US" sz="1800" dirty="0"/>
+              <a:rPr lang="en-US" sz="1800" b="1" dirty="0" smtClean="0"/>
+              <a:t> </a:t>
+            </a:r>
+            <a:r>
+              <a:rPr lang="en-US" sz="1800" b="1" dirty="0" err="1" smtClean="0"/>
+              <a:t>chọn</a:t>
+            </a:r>
+            <a:r>
+              <a:rPr lang="en-US" sz="1800" b="1" dirty="0" smtClean="0"/>
+              <a:t> </a:t>
+            </a:r>
+            <a:r>
+              <a:rPr lang="en-US" sz="1800" b="1" dirty="0" err="1" smtClean="0"/>
+              <a:t>Thư</a:t>
+            </a:r>
+            <a:r>
+              <a:rPr lang="en-US" sz="1800" b="1" dirty="0" smtClean="0"/>
+              <a:t> </a:t>
+            </a:r>
+            <a:r>
+              <a:rPr lang="en-US" sz="1800" b="1" dirty="0" err="1" smtClean="0"/>
+              <a:t>mục</a:t>
+            </a:r>
+            <a:r>
+              <a:rPr lang="en-US" sz="1800" b="1" dirty="0" smtClean="0"/>
+              <a:t> </a:t>
+            </a:r>
+            <a:r>
+              <a:rPr lang="en-US" sz="1800" b="1" dirty="0" err="1" smtClean="0"/>
+              <a:t>hoặc</a:t>
+            </a:r>
+            <a:r>
+              <a:rPr lang="en-US" sz="1800" b="1" dirty="0" smtClean="0"/>
+              <a:t> </a:t>
+            </a:r>
+            <a:r>
+              <a:rPr lang="en-US" sz="1800" b="1" dirty="0" err="1" smtClean="0"/>
+              <a:t>tệp</a:t>
+            </a:r>
+            <a:r>
+              <a:rPr lang="en-US" sz="1800" b="1" dirty="0" smtClean="0"/>
+              <a:t> </a:t>
+            </a:r>
+            <a:r>
+              <a:rPr lang="en-US" sz="1800" b="1" dirty="0" err="1" smtClean="0"/>
+              <a:t>cần</a:t>
+            </a:r>
+            <a:r>
+              <a:rPr lang="en-US" sz="1800" b="1" dirty="0"/>
+              <a:t> </a:t>
+            </a:r>
+            <a:r>
+              <a:rPr lang="en-US" sz="1800" b="1" dirty="0" smtClean="0"/>
+              <a:t>copy </a:t>
+            </a:r>
+            <a:r>
+              <a:rPr lang="en-US" sz="1800" b="1" dirty="0" err="1" smtClean="0"/>
+              <a:t>và</a:t>
+            </a:r>
+            <a:r>
+              <a:rPr lang="en-US" sz="1800" b="1" dirty="0" smtClean="0"/>
+              <a:t> click Button Copy</a:t>
+            </a:r>
+            <a:endParaRPr lang="en-US" sz="1800" b="1" dirty="0"/>
           </a:p>
         </p:txBody>
       </p:sp>
@@ -3967,23 +5271,266 @@
         </p:nvPicPr>
         <p:blipFill rotWithShape="1">
           <a:blip r:embed="rId2"/>
-          <a:srcRect l="1380" t="9705" r="52068" b="39336"/>
+          <a:srcRect l="9856" t="16544" r="48439" b="65263"/>
           <a:stretch/>
         </p:blipFill>
         <p:spPr>
           <a:xfrm>
-            <a:off x="1062284" y="1836419"/>
-            <a:ext cx="5673796" cy="3493653"/>
+            <a:off x="866775" y="1266824"/>
+            <a:ext cx="6553200" cy="1704975"/>
           </a:xfrm>
           <a:prstGeom prst="rect">
             <a:avLst/>
           </a:prstGeom>
         </p:spPr>
       </p:pic>
+      <p:sp>
+        <p:nvSpPr>
+          <p:cNvPr id="7" name="TextBox 6"/>
+          <p:cNvSpPr txBox="1"/>
+          <p:nvPr/>
+        </p:nvSpPr>
+        <p:spPr>
+          <a:xfrm>
+            <a:off x="1095375" y="3457575"/>
+            <a:ext cx="6924675" cy="369332"/>
+          </a:xfrm>
+          <a:prstGeom prst="rect">
+            <a:avLst/>
+          </a:prstGeom>
+          <a:noFill/>
+        </p:spPr>
+        <p:txBody>
+          <a:bodyPr wrap="square" rtlCol="0">
+            <a:spAutoFit/>
+          </a:bodyPr>
+          <a:lstStyle/>
+          <a:p>
+            <a:r>
+              <a:rPr lang="en-US" dirty="0" smtClean="0"/>
+              <a:t>Form </a:t>
+            </a:r>
+            <a:r>
+              <a:rPr lang="en-US" dirty="0" err="1" smtClean="0"/>
+              <a:t>Chọn</a:t>
+            </a:r>
+            <a:r>
+              <a:rPr lang="en-US" dirty="0" smtClean="0"/>
+              <a:t> </a:t>
+            </a:r>
+            <a:r>
+              <a:rPr lang="en-US" dirty="0" err="1" smtClean="0"/>
+              <a:t>đường</a:t>
+            </a:r>
+            <a:r>
+              <a:rPr lang="en-US" dirty="0" smtClean="0"/>
+              <a:t> </a:t>
+            </a:r>
+            <a:r>
+              <a:rPr lang="en-US" dirty="0" err="1" smtClean="0"/>
+              <a:t>dẫn</a:t>
+            </a:r>
+            <a:r>
+              <a:rPr lang="en-US" dirty="0" smtClean="0"/>
+              <a:t> </a:t>
+            </a:r>
+            <a:r>
+              <a:rPr lang="en-US" dirty="0" err="1" smtClean="0"/>
+              <a:t>để</a:t>
+            </a:r>
+            <a:r>
+              <a:rPr lang="en-US" dirty="0" smtClean="0"/>
+              <a:t> paste </a:t>
+            </a:r>
+            <a:r>
+              <a:rPr lang="en-US" dirty="0" err="1" smtClean="0"/>
+              <a:t>phần</a:t>
+            </a:r>
+            <a:r>
+              <a:rPr lang="en-US" dirty="0" smtClean="0"/>
+              <a:t> copy</a:t>
+            </a:r>
+            <a:endParaRPr lang="en-US" dirty="0"/>
+          </a:p>
+        </p:txBody>
+      </p:sp>
+      <p:pic>
+        <p:nvPicPr>
+          <p:cNvPr id="8" name="Picture 7"/>
+          <p:cNvPicPr>
+            <a:picLocks noChangeAspect="1"/>
+          </p:cNvPicPr>
+          <p:nvPr/>
+        </p:nvPicPr>
+        <p:blipFill rotWithShape="1">
+          <a:blip r:embed="rId3"/>
+          <a:srcRect l="8571" t="3493" r="40817" b="33378"/>
+          <a:stretch/>
+        </p:blipFill>
+        <p:spPr>
+          <a:xfrm>
+            <a:off x="1095375" y="3891049"/>
+            <a:ext cx="4515716" cy="2690034"/>
+          </a:xfrm>
+          <a:prstGeom prst="rect">
+            <a:avLst/>
+          </a:prstGeom>
+        </p:spPr>
+      </p:pic>
+      <p:sp>
+        <p:nvSpPr>
+          <p:cNvPr id="3" name="TextBox 2"/>
+          <p:cNvSpPr txBox="1"/>
+          <p:nvPr/>
+        </p:nvSpPr>
+        <p:spPr>
+          <a:xfrm>
+            <a:off x="8020050" y="1266824"/>
+            <a:ext cx="3343275" cy="923330"/>
+          </a:xfrm>
+          <a:prstGeom prst="rect">
+            <a:avLst/>
+          </a:prstGeom>
+          <a:noFill/>
+        </p:spPr>
+        <p:txBody>
+          <a:bodyPr wrap="square" rtlCol="0">
+            <a:spAutoFit/>
+          </a:bodyPr>
+          <a:lstStyle/>
+          <a:p>
+            <a:r>
+              <a:rPr lang="en-US" dirty="0" err="1" smtClean="0"/>
+              <a:t>Coppy</a:t>
+            </a:r>
+            <a:r>
+              <a:rPr lang="en-US" dirty="0" smtClean="0"/>
+              <a:t> 1 file </a:t>
+            </a:r>
+            <a:r>
+              <a:rPr lang="en-US" dirty="0" err="1" smtClean="0"/>
+              <a:t>hoặc</a:t>
+            </a:r>
+            <a:r>
+              <a:rPr lang="en-US" dirty="0" smtClean="0"/>
+              <a:t> </a:t>
+            </a:r>
+            <a:r>
+              <a:rPr lang="en-US" dirty="0" err="1" smtClean="0"/>
+              <a:t>thư</a:t>
+            </a:r>
+            <a:r>
+              <a:rPr lang="en-US" dirty="0" smtClean="0"/>
+              <a:t> </a:t>
+            </a:r>
+            <a:r>
+              <a:rPr lang="en-US" dirty="0" err="1" smtClean="0"/>
+              <a:t>mục</a:t>
+            </a:r>
+            <a:r>
+              <a:rPr lang="en-US" dirty="0" smtClean="0"/>
+              <a:t> </a:t>
+            </a:r>
+            <a:r>
+              <a:rPr lang="en-US" dirty="0" err="1" smtClean="0"/>
+              <a:t>đã</a:t>
+            </a:r>
+            <a:r>
+              <a:rPr lang="en-US" dirty="0" smtClean="0"/>
+              <a:t> </a:t>
+            </a:r>
+            <a:r>
+              <a:rPr lang="en-US" dirty="0" err="1" smtClean="0"/>
+              <a:t>chọn</a:t>
+            </a:r>
+            <a:r>
+              <a:rPr lang="en-US" dirty="0" smtClean="0"/>
+              <a:t> </a:t>
+            </a:r>
+            <a:r>
+              <a:rPr lang="en-US" dirty="0" err="1" smtClean="0"/>
+              <a:t>và</a:t>
+            </a:r>
+            <a:r>
+              <a:rPr lang="en-US" dirty="0" smtClean="0"/>
+              <a:t> </a:t>
+            </a:r>
+            <a:r>
+              <a:rPr lang="en-US" dirty="0" err="1" smtClean="0"/>
+              <a:t>chọn</a:t>
+            </a:r>
+            <a:r>
+              <a:rPr lang="en-US" dirty="0" smtClean="0"/>
+              <a:t> </a:t>
+            </a:r>
+            <a:r>
+              <a:rPr lang="en-US" dirty="0" err="1" smtClean="0"/>
+              <a:t>đường</a:t>
+            </a:r>
+            <a:r>
+              <a:rPr lang="en-US" dirty="0" smtClean="0"/>
+              <a:t> </a:t>
+            </a:r>
+            <a:r>
+              <a:rPr lang="en-US" dirty="0" err="1" smtClean="0"/>
+              <a:t>dẫn</a:t>
+            </a:r>
+            <a:r>
+              <a:rPr lang="en-US" dirty="0" smtClean="0"/>
+              <a:t> </a:t>
+            </a:r>
+            <a:r>
+              <a:rPr lang="en-US" dirty="0" err="1" smtClean="0"/>
+              <a:t>để</a:t>
+            </a:r>
+            <a:r>
+              <a:rPr lang="en-US" dirty="0" smtClean="0"/>
+              <a:t> </a:t>
+            </a:r>
+            <a:r>
+              <a:rPr lang="en-US" dirty="0" err="1" smtClean="0"/>
+              <a:t>lưu</a:t>
+            </a:r>
+            <a:r>
+              <a:rPr lang="en-US" dirty="0" smtClean="0"/>
+              <a:t> </a:t>
+            </a:r>
+            <a:r>
+              <a:rPr lang="en-US" dirty="0" err="1" smtClean="0"/>
+              <a:t>thư</a:t>
+            </a:r>
+            <a:r>
+              <a:rPr lang="en-US" dirty="0" smtClean="0"/>
+              <a:t> </a:t>
+            </a:r>
+            <a:r>
+              <a:rPr lang="en-US" dirty="0" err="1" smtClean="0"/>
+              <a:t>mục</a:t>
+            </a:r>
+            <a:r>
+              <a:rPr lang="en-US" dirty="0" smtClean="0"/>
+              <a:t> </a:t>
+            </a:r>
+            <a:r>
+              <a:rPr lang="en-US" dirty="0" err="1" smtClean="0"/>
+              <a:t>đã</a:t>
+            </a:r>
+            <a:r>
+              <a:rPr lang="en-US" dirty="0" smtClean="0"/>
+              <a:t> </a:t>
+            </a:r>
+            <a:r>
+              <a:rPr lang="en-US" dirty="0" err="1" smtClean="0"/>
+              <a:t>coppy</a:t>
+            </a:r>
+            <a:endParaRPr lang="en-US" dirty="0"/>
+          </a:p>
+        </p:txBody>
+      </p:sp>
     </p:spTree>
     <p:extLst>
       <p:ext uri="{BB962C8B-B14F-4D97-AF65-F5344CB8AC3E}">
-        <p14:creationId xmlns:p14="http://schemas.microsoft.com/office/powerpoint/2010/main" val="2131835512"/>
+        <p14:creationId xmlns:p14="http://schemas.microsoft.com/office/powerpoint/2010/main" val="3426662633"/>
       </p:ext>
     </p:extLst>
   </p:cSld>
@@ -4020,7 +5567,12 @@
             <p:ph type="title"/>
           </p:nvPr>
         </p:nvSpPr>
-        <p:spPr/>
+        <p:spPr>
+          <a:xfrm>
+            <a:off x="1062284" y="510857"/>
+            <a:ext cx="3843091" cy="1325563"/>
+          </a:xfrm>
+        </p:spPr>
         <p:txBody>
           <a:bodyPr>
             <a:normAutofit/>
@@ -4028,69 +5580,18 @@
           <a:lstStyle/>
           <a:p>
             <a:r>
-              <a:rPr lang="en-US" sz="1800" dirty="0" smtClean="0"/>
-              <a:t>Form MOVE </a:t>
-            </a:r>
-            <a:r>
-              <a:rPr lang="en-US" sz="1800" dirty="0" err="1" smtClean="0"/>
-              <a:t>hiện</a:t>
-            </a:r>
-            <a:r>
-              <a:rPr lang="en-US" sz="1800" dirty="0" smtClean="0"/>
-              <a:t> </a:t>
-            </a:r>
-            <a:r>
-              <a:rPr lang="en-US" sz="1800" dirty="0" err="1" smtClean="0"/>
-              <a:t>ra</a:t>
-            </a:r>
-            <a:r>
-              <a:rPr lang="en-US" sz="1800" dirty="0" smtClean="0"/>
-              <a:t> </a:t>
-            </a:r>
-            <a:r>
-              <a:rPr lang="en-US" sz="1800" dirty="0" err="1" smtClean="0"/>
-              <a:t>sau</a:t>
-            </a:r>
-            <a:r>
-              <a:rPr lang="en-US" sz="1800" dirty="0" smtClean="0"/>
-              <a:t> </a:t>
-            </a:r>
-            <a:r>
-              <a:rPr lang="en-US" sz="1800" dirty="0" err="1" smtClean="0"/>
-              <a:t>khi</a:t>
-            </a:r>
-            <a:r>
-              <a:rPr lang="en-US" sz="1800" dirty="0" smtClean="0"/>
-              <a:t> </a:t>
-            </a:r>
-            <a:r>
-              <a:rPr lang="en-US" sz="1800" dirty="0" err="1" smtClean="0"/>
-              <a:t>chọn</a:t>
-            </a:r>
-            <a:r>
-              <a:rPr lang="en-US" sz="1800" dirty="0" smtClean="0"/>
-              <a:t> Folder </a:t>
-            </a:r>
-            <a:r>
-              <a:rPr lang="en-US" sz="1800" dirty="0" err="1" smtClean="0"/>
-              <a:t>hoặc</a:t>
-            </a:r>
-            <a:r>
-              <a:rPr lang="en-US" sz="1800" dirty="0" smtClean="0"/>
-              <a:t> file </a:t>
-            </a:r>
-            <a:r>
-              <a:rPr lang="en-US" sz="1800" dirty="0" err="1" smtClean="0"/>
-              <a:t>và</a:t>
-            </a:r>
-            <a:r>
-              <a:rPr lang="en-US" sz="1800" dirty="0" smtClean="0"/>
-              <a:t> click button Move</a:t>
-            </a:r>
-            <a:br>
-              <a:rPr lang="en-US" sz="1800" dirty="0" smtClean="0"/>
-            </a:br>
-            <a:endParaRPr lang="en-US" sz="1800" dirty="0"/>
+              <a:rPr lang="en-US" sz="1800" b="1" dirty="0" smtClean="0"/>
+              <a:t>Form </a:t>
+            </a:r>
+            <a:r>
+              <a:rPr lang="en-US" sz="1800" b="1" dirty="0" err="1" smtClean="0"/>
+              <a:t>CopyProCess</a:t>
+            </a:r>
+            <a:r>
+              <a:rPr lang="en-US" sz="1800" b="1" dirty="0" smtClean="0"/>
+              <a:t> </a:t>
+            </a:r>
+            <a:endParaRPr lang="en-US" sz="1800" b="1" dirty="0"/>
           </a:p>
         </p:txBody>
       </p:sp>
@@ -4106,13 +5607,13 @@
         </p:nvPicPr>
         <p:blipFill rotWithShape="1">
           <a:blip r:embed="rId2"/>
-          <a:srcRect l="12689" t="18582" r="44586" b="59045"/>
+          <a:srcRect l="1693" t="11650" r="54584" b="42196"/>
           <a:stretch/>
         </p:blipFill>
         <p:spPr>
           <a:xfrm>
-            <a:off x="838200" y="1105593"/>
-            <a:ext cx="6593378" cy="2086495"/>
+            <a:off x="1062284" y="1836420"/>
+            <a:ext cx="6395791" cy="3797642"/>
           </a:xfrm>
           <a:prstGeom prst="rect">
             <a:avLst/>
@@ -4121,14 +5622,14 @@
       </p:pic>
       <p:sp>
         <p:nvSpPr>
-          <p:cNvPr id="5" name="TextBox 4"/>
+          <p:cNvPr id="3" name="TextBox 2"/>
           <p:cNvSpPr txBox="1"/>
           <p:nvPr/>
         </p:nvSpPr>
         <p:spPr>
           <a:xfrm>
-            <a:off x="739833" y="3316778"/>
-            <a:ext cx="6492240" cy="369332"/>
+            <a:off x="8229600" y="2000250"/>
+            <a:ext cx="3343275" cy="1477328"/>
           </a:xfrm>
           <a:prstGeom prst="rect">
             <a:avLst/>
@@ -4143,91 +5644,174 @@
           <a:p>
             <a:r>
               <a:rPr lang="en-US" dirty="0" err="1" smtClean="0"/>
-              <a:t>Chọn</a:t>
-            </a:r>
-            <a:r>
-              <a:rPr lang="en-US" dirty="0" smtClean="0"/>
-              <a:t> </a:t>
-            </a:r>
-            <a:r>
-              <a:rPr lang="en-US" dirty="0" err="1" smtClean="0"/>
-              <a:t>đường</a:t>
-            </a:r>
-            <a:r>
-              <a:rPr lang="en-US" dirty="0" smtClean="0"/>
-              <a:t> </a:t>
-            </a:r>
-            <a:r>
-              <a:rPr lang="en-US" dirty="0" err="1" smtClean="0"/>
-              <a:t>dẫn</a:t>
-            </a:r>
-            <a:r>
-              <a:rPr lang="en-US" dirty="0" smtClean="0"/>
-              <a:t> </a:t>
-            </a:r>
-            <a:r>
-              <a:rPr lang="en-US" dirty="0" err="1" smtClean="0"/>
-              <a:t>để</a:t>
-            </a:r>
-            <a:r>
-              <a:rPr lang="en-US" dirty="0" smtClean="0"/>
-              <a:t> </a:t>
-            </a:r>
-            <a:r>
-              <a:rPr lang="en-US" dirty="0" err="1" smtClean="0"/>
-              <a:t>lưu</a:t>
-            </a:r>
-            <a:r>
-              <a:rPr lang="en-US" dirty="0" smtClean="0"/>
-              <a:t> </a:t>
-            </a:r>
-            <a:r>
-              <a:rPr lang="en-US" dirty="0" err="1" smtClean="0"/>
-              <a:t>Nội</a:t>
-            </a:r>
-            <a:r>
-              <a:rPr lang="en-US" dirty="0" smtClean="0"/>
-              <a:t> Dung </a:t>
-            </a:r>
-            <a:r>
-              <a:rPr lang="en-US" dirty="0" err="1" smtClean="0"/>
-              <a:t>cần</a:t>
-            </a:r>
-            <a:r>
-              <a:rPr lang="en-US" dirty="0" smtClean="0"/>
-              <a:t> MOVE</a:t>
+              <a:t>Hiện</a:t>
+            </a:r>
+            <a:r>
+              <a:rPr lang="en-US" dirty="0" smtClean="0"/>
+              <a:t> </a:t>
+            </a:r>
+            <a:r>
+              <a:rPr lang="en-US" dirty="0" err="1" smtClean="0"/>
+              <a:t>thị</a:t>
+            </a:r>
+            <a:r>
+              <a:rPr lang="en-US" dirty="0" smtClean="0"/>
+              <a:t> chi </a:t>
+            </a:r>
+            <a:r>
+              <a:rPr lang="en-US" dirty="0" err="1" smtClean="0"/>
+              <a:t>tiết</a:t>
+            </a:r>
+            <a:r>
+              <a:rPr lang="en-US" dirty="0" smtClean="0"/>
+              <a:t> </a:t>
+            </a:r>
+            <a:r>
+              <a:rPr lang="en-US" dirty="0" err="1" smtClean="0"/>
+              <a:t>thông</a:t>
+            </a:r>
+            <a:r>
+              <a:rPr lang="en-US" dirty="0" smtClean="0"/>
+              <a:t> tin File </a:t>
+            </a:r>
+            <a:r>
+              <a:rPr lang="en-US" dirty="0" err="1" smtClean="0"/>
+              <a:t>hoặc</a:t>
+            </a:r>
+            <a:r>
+              <a:rPr lang="en-US" dirty="0" smtClean="0"/>
+              <a:t> Folder.</a:t>
+            </a:r>
+          </a:p>
+          <a:p>
+            <a:r>
+              <a:rPr lang="en-US" dirty="0" err="1" smtClean="0"/>
+              <a:t>Hiển</a:t>
+            </a:r>
+            <a:r>
+              <a:rPr lang="en-US" dirty="0" smtClean="0"/>
+              <a:t> </a:t>
+            </a:r>
+            <a:r>
+              <a:rPr lang="en-US" dirty="0" err="1" smtClean="0"/>
+              <a:t>thị</a:t>
+            </a:r>
+            <a:r>
+              <a:rPr lang="en-US" dirty="0" smtClean="0"/>
+              <a:t> </a:t>
+            </a:r>
+            <a:r>
+              <a:rPr lang="en-US" dirty="0" err="1" smtClean="0"/>
+              <a:t>tiến</a:t>
+            </a:r>
+            <a:r>
+              <a:rPr lang="en-US" dirty="0" smtClean="0"/>
+              <a:t> </a:t>
+            </a:r>
+            <a:r>
+              <a:rPr lang="en-US" dirty="0" err="1" smtClean="0"/>
+              <a:t>trình</a:t>
+            </a:r>
+            <a:r>
+              <a:rPr lang="en-US" dirty="0" smtClean="0"/>
+              <a:t> </a:t>
+            </a:r>
+            <a:r>
+              <a:rPr lang="en-US" dirty="0" err="1" smtClean="0"/>
+              <a:t>Coppy</a:t>
+            </a:r>
+            <a:r>
+              <a:rPr lang="en-US" dirty="0" smtClean="0"/>
+              <a:t> </a:t>
+            </a:r>
+            <a:r>
+              <a:rPr lang="en-US" dirty="0" err="1" smtClean="0"/>
+              <a:t>từng</a:t>
+            </a:r>
+            <a:r>
+              <a:rPr lang="en-US" dirty="0"/>
+              <a:t> </a:t>
+            </a:r>
+            <a:r>
+              <a:rPr lang="en-US" dirty="0" smtClean="0"/>
+              <a:t>File </a:t>
+            </a:r>
+            <a:r>
+              <a:rPr lang="en-US" dirty="0" err="1" smtClean="0"/>
+              <a:t>và</a:t>
+            </a:r>
+            <a:r>
+              <a:rPr lang="en-US" dirty="0" smtClean="0"/>
+              <a:t> </a:t>
+            </a:r>
+            <a:r>
+              <a:rPr lang="en-US" dirty="0" err="1" smtClean="0"/>
+              <a:t>tiến</a:t>
+            </a:r>
+            <a:r>
+              <a:rPr lang="en-US" dirty="0" smtClean="0"/>
+              <a:t> </a:t>
+            </a:r>
+            <a:r>
+              <a:rPr lang="en-US" dirty="0" err="1" smtClean="0"/>
+              <a:t>trình</a:t>
+            </a:r>
+            <a:r>
+              <a:rPr lang="en-US" dirty="0" smtClean="0"/>
+              <a:t> </a:t>
+            </a:r>
+            <a:r>
+              <a:rPr lang="en-US" dirty="0" err="1" smtClean="0"/>
+              <a:t>của</a:t>
+            </a:r>
+            <a:r>
+              <a:rPr lang="en-US" dirty="0" smtClean="0"/>
+              <a:t> </a:t>
+            </a:r>
+            <a:r>
+              <a:rPr lang="en-US" dirty="0" err="1" smtClean="0"/>
+              <a:t>tất</a:t>
+            </a:r>
+            <a:r>
+              <a:rPr lang="en-US" dirty="0" smtClean="0"/>
+              <a:t> </a:t>
+            </a:r>
+            <a:r>
+              <a:rPr lang="en-US" dirty="0" err="1" smtClean="0"/>
+              <a:t>cả</a:t>
+            </a:r>
+            <a:r>
+              <a:rPr lang="en-US" dirty="0" smtClean="0"/>
+              <a:t> </a:t>
+            </a:r>
+            <a:r>
+              <a:rPr lang="en-US" dirty="0" err="1" smtClean="0"/>
+              <a:t>tập</a:t>
+            </a:r>
+            <a:r>
+              <a:rPr lang="en-US" dirty="0" smtClean="0"/>
+              <a:t> tin </a:t>
+            </a:r>
+            <a:r>
+              <a:rPr lang="en-US" dirty="0" err="1" smtClean="0"/>
+              <a:t>đang</a:t>
+            </a:r>
+            <a:r>
+              <a:rPr lang="en-US" dirty="0" smtClean="0"/>
+              <a:t> </a:t>
+            </a:r>
+            <a:r>
+              <a:rPr lang="en-US" dirty="0" err="1" smtClean="0"/>
+              <a:t>Coppy</a:t>
             </a:r>
             <a:endParaRPr lang="en-US" dirty="0"/>
           </a:p>
         </p:txBody>
       </p:sp>
-      <p:pic>
-        <p:nvPicPr>
-          <p:cNvPr id="6" name="Picture 5"/>
-          <p:cNvPicPr>
-            <a:picLocks noChangeAspect="1"/>
-          </p:cNvPicPr>
-          <p:nvPr/>
-        </p:nvPicPr>
-        <p:blipFill rotWithShape="1">
-          <a:blip r:embed="rId3"/>
-          <a:srcRect l="12208" t="20104" r="41427" b="35757"/>
-          <a:stretch/>
-        </p:blipFill>
-        <p:spPr>
-          <a:xfrm>
-            <a:off x="739833" y="3686110"/>
-            <a:ext cx="6492240" cy="2627087"/>
-          </a:xfrm>
-          <a:prstGeom prst="rect">
-            <a:avLst/>
-          </a:prstGeom>
-        </p:spPr>
-      </p:pic>
     </p:spTree>
     <p:extLst>
       <p:ext uri="{BB962C8B-B14F-4D97-AF65-F5344CB8AC3E}">
-        <p14:creationId xmlns:p14="http://schemas.microsoft.com/office/powerpoint/2010/main" val="3423837201"/>
+        <p14:creationId xmlns:p14="http://schemas.microsoft.com/office/powerpoint/2010/main" val="2131835512"/>
       </p:ext>
     </p:extLst>
   </p:cSld>
@@ -4264,7 +5848,12 @@
             <p:ph type="title"/>
           </p:nvPr>
         </p:nvSpPr>
-        <p:spPr/>
+        <p:spPr>
+          <a:xfrm>
+            <a:off x="838200" y="365125"/>
+            <a:ext cx="6438900" cy="1063625"/>
+          </a:xfrm>
+        </p:spPr>
         <p:txBody>
           <a:bodyPr>
             <a:normAutofit/>
@@ -4272,62 +5861,53 @@
           <a:lstStyle/>
           <a:p>
             <a:r>
-              <a:rPr lang="en-US" sz="1800" dirty="0" err="1" smtClean="0"/>
-              <a:t>ToolScrip</a:t>
-            </a:r>
-            <a:r>
-              <a:rPr lang="en-US" sz="1800" dirty="0" smtClean="0"/>
-              <a:t> </a:t>
-            </a:r>
-            <a:r>
-              <a:rPr lang="en-US" sz="1800" dirty="0" err="1" smtClean="0"/>
-              <a:t>và</a:t>
-            </a:r>
-            <a:r>
-              <a:rPr lang="en-US" sz="1800" dirty="0" smtClean="0"/>
-              <a:t> </a:t>
-            </a:r>
-            <a:r>
-              <a:rPr lang="en-US" sz="1800" dirty="0" err="1" smtClean="0"/>
-              <a:t>các</a:t>
-            </a:r>
-            <a:r>
-              <a:rPr lang="en-US" sz="1800" dirty="0" smtClean="0"/>
-              <a:t> </a:t>
-            </a:r>
-            <a:r>
-              <a:rPr lang="en-US" sz="1800" dirty="0" err="1" smtClean="0"/>
-              <a:t>Chức</a:t>
-            </a:r>
-            <a:r>
-              <a:rPr lang="en-US" sz="1800" dirty="0" smtClean="0"/>
-              <a:t> </a:t>
-            </a:r>
-            <a:r>
-              <a:rPr lang="en-US" sz="1800" dirty="0" err="1" smtClean="0"/>
-              <a:t>năng</a:t>
-            </a:r>
-            <a:r>
-              <a:rPr lang="en-US" sz="1800" dirty="0" smtClean="0"/>
-              <a:t> </a:t>
-            </a:r>
-            <a:r>
-              <a:rPr lang="en-US" sz="1800" dirty="0" err="1" smtClean="0"/>
-              <a:t>trong</a:t>
-            </a:r>
-            <a:r>
-              <a:rPr lang="en-US" sz="1800" dirty="0" smtClean="0"/>
-              <a:t> </a:t>
-            </a:r>
-            <a:r>
-              <a:rPr lang="en-US" sz="1800" dirty="0" err="1" smtClean="0"/>
-              <a:t>ToolScripMenu</a:t>
-            </a:r>
-            <a:r>
-              <a:rPr lang="en-US" sz="1800" dirty="0" smtClean="0"/>
-              <a:t> File</a:t>
-            </a:r>
-            <a:endParaRPr lang="en-US" sz="1800" dirty="0"/>
+              <a:rPr lang="en-US" sz="1800" b="1" dirty="0" smtClean="0"/>
+              <a:t>Form MOVE </a:t>
+            </a:r>
+            <a:r>
+              <a:rPr lang="en-US" sz="1800" b="1" dirty="0" err="1" smtClean="0"/>
+              <a:t>hiện</a:t>
+            </a:r>
+            <a:r>
+              <a:rPr lang="en-US" sz="1800" b="1" dirty="0" smtClean="0"/>
+              <a:t> </a:t>
+            </a:r>
+            <a:r>
+              <a:rPr lang="en-US" sz="1800" b="1" dirty="0" err="1" smtClean="0"/>
+              <a:t>ra</a:t>
+            </a:r>
+            <a:r>
+              <a:rPr lang="en-US" sz="1800" b="1" dirty="0" smtClean="0"/>
+              <a:t> </a:t>
+            </a:r>
+            <a:r>
+              <a:rPr lang="en-US" sz="1800" b="1" dirty="0" err="1" smtClean="0"/>
+              <a:t>sau</a:t>
+            </a:r>
+            <a:r>
+              <a:rPr lang="en-US" sz="1800" b="1" dirty="0" smtClean="0"/>
+              <a:t> </a:t>
+            </a:r>
+            <a:r>
+              <a:rPr lang="en-US" sz="1800" b="1" dirty="0" err="1" smtClean="0"/>
+              <a:t>khi</a:t>
+            </a:r>
+            <a:r>
+              <a:rPr lang="en-US" sz="1800" b="1" dirty="0" smtClean="0"/>
+              <a:t> </a:t>
+            </a:r>
+            <a:r>
+              <a:rPr lang="en-US" sz="1800" b="1" dirty="0" smtClean="0"/>
+              <a:t>Click Button Move</a:t>
+            </a:r>
+            <a:r>
+              <a:rPr lang="en-US" sz="1800" b="1" dirty="0" smtClean="0"/>
+              <a:t/>
+            </a:r>
+            <a:br>
+              <a:rPr lang="en-US" sz="1800" b="1" dirty="0" smtClean="0"/>
+            </a:br>
+            <a:endParaRPr lang="en-US" sz="1800" b="1" dirty="0"/>
           </a:p>
         </p:txBody>
       </p:sp>
@@ -4343,23 +5923,286 @@
         </p:nvPicPr>
         <p:blipFill rotWithShape="1">
           <a:blip r:embed="rId2"/>
-          <a:srcRect r="90387" b="83291"/>
+          <a:srcRect l="12566" t="22252" r="45710" b="60386"/>
           <a:stretch/>
         </p:blipFill>
         <p:spPr>
           <a:xfrm>
-            <a:off x="986084" y="1327150"/>
-            <a:ext cx="4637476" cy="4534076"/>
+            <a:off x="838200" y="1428750"/>
+            <a:ext cx="6438900" cy="1619250"/>
           </a:xfrm>
           <a:prstGeom prst="rect">
             <a:avLst/>
           </a:prstGeom>
         </p:spPr>
       </p:pic>
+      <p:sp>
+        <p:nvSpPr>
+          <p:cNvPr id="5" name="TextBox 4"/>
+          <p:cNvSpPr txBox="1"/>
+          <p:nvPr/>
+        </p:nvSpPr>
+        <p:spPr>
+          <a:xfrm>
+            <a:off x="739833" y="3316778"/>
+            <a:ext cx="6492240" cy="369332"/>
+          </a:xfrm>
+          <a:prstGeom prst="rect">
+            <a:avLst/>
+          </a:prstGeom>
+          <a:noFill/>
+        </p:spPr>
+        <p:txBody>
+          <a:bodyPr wrap="square" rtlCol="0">
+            <a:spAutoFit/>
+          </a:bodyPr>
+          <a:lstStyle/>
+          <a:p>
+            <a:r>
+              <a:rPr lang="en-US" dirty="0" err="1" smtClean="0"/>
+              <a:t>Chọn</a:t>
+            </a:r>
+            <a:r>
+              <a:rPr lang="en-US" dirty="0" smtClean="0"/>
+              <a:t> </a:t>
+            </a:r>
+            <a:r>
+              <a:rPr lang="en-US" dirty="0" err="1" smtClean="0"/>
+              <a:t>đường</a:t>
+            </a:r>
+            <a:r>
+              <a:rPr lang="en-US" dirty="0" smtClean="0"/>
+              <a:t> </a:t>
+            </a:r>
+            <a:r>
+              <a:rPr lang="en-US" dirty="0" err="1" smtClean="0"/>
+              <a:t>dẫn</a:t>
+            </a:r>
+            <a:r>
+              <a:rPr lang="en-US" dirty="0" smtClean="0"/>
+              <a:t> </a:t>
+            </a:r>
+            <a:r>
+              <a:rPr lang="en-US" dirty="0" err="1" smtClean="0"/>
+              <a:t>để</a:t>
+            </a:r>
+            <a:r>
+              <a:rPr lang="en-US" dirty="0" smtClean="0"/>
+              <a:t> </a:t>
+            </a:r>
+            <a:r>
+              <a:rPr lang="en-US" dirty="0" err="1" smtClean="0"/>
+              <a:t>lưu</a:t>
+            </a:r>
+            <a:r>
+              <a:rPr lang="en-US" dirty="0" smtClean="0"/>
+              <a:t> </a:t>
+            </a:r>
+            <a:r>
+              <a:rPr lang="en-US" dirty="0" err="1" smtClean="0"/>
+              <a:t>Nội</a:t>
+            </a:r>
+            <a:r>
+              <a:rPr lang="en-US" dirty="0" smtClean="0"/>
+              <a:t> Dung </a:t>
+            </a:r>
+            <a:r>
+              <a:rPr lang="en-US" dirty="0" err="1" smtClean="0"/>
+              <a:t>cần</a:t>
+            </a:r>
+            <a:r>
+              <a:rPr lang="en-US" dirty="0" smtClean="0"/>
+              <a:t> MOVE</a:t>
+            </a:r>
+            <a:endParaRPr lang="en-US" dirty="0"/>
+          </a:p>
+        </p:txBody>
+      </p:sp>
+      <p:pic>
+        <p:nvPicPr>
+          <p:cNvPr id="6" name="Picture 5"/>
+          <p:cNvPicPr>
+            <a:picLocks noChangeAspect="1"/>
+          </p:cNvPicPr>
+          <p:nvPr/>
+        </p:nvPicPr>
+        <p:blipFill rotWithShape="1">
+          <a:blip r:embed="rId3"/>
+          <a:srcRect l="12208" t="20104" r="41427" b="35757"/>
+          <a:stretch/>
+        </p:blipFill>
+        <p:spPr>
+          <a:xfrm>
+            <a:off x="739833" y="3686110"/>
+            <a:ext cx="6492240" cy="2627087"/>
+          </a:xfrm>
+          <a:prstGeom prst="rect">
+            <a:avLst/>
+          </a:prstGeom>
+        </p:spPr>
+      </p:pic>
+      <p:sp>
+        <p:nvSpPr>
+          <p:cNvPr id="8" name="TextBox 7"/>
+          <p:cNvSpPr txBox="1"/>
+          <p:nvPr/>
+        </p:nvSpPr>
+        <p:spPr>
+          <a:xfrm>
+            <a:off x="8220075" y="1543050"/>
+            <a:ext cx="2943225" cy="1200329"/>
+          </a:xfrm>
+          <a:prstGeom prst="rect">
+            <a:avLst/>
+          </a:prstGeom>
+          <a:noFill/>
+        </p:spPr>
+        <p:txBody>
+          <a:bodyPr wrap="square" rtlCol="0">
+            <a:spAutoFit/>
+          </a:bodyPr>
+          <a:lstStyle/>
+          <a:p>
+            <a:r>
+              <a:rPr lang="en-US" dirty="0" smtClean="0"/>
+              <a:t>Di </a:t>
+            </a:r>
+            <a:r>
+              <a:rPr lang="en-US" dirty="0" err="1" smtClean="0"/>
+              <a:t>chuyển</a:t>
+            </a:r>
+            <a:r>
+              <a:rPr lang="en-US" dirty="0" smtClean="0"/>
+              <a:t> 1 </a:t>
+            </a:r>
+            <a:r>
+              <a:rPr lang="en-US" dirty="0"/>
+              <a:t>file </a:t>
+            </a:r>
+            <a:r>
+              <a:rPr lang="en-US" dirty="0" err="1"/>
+              <a:t>hoặc</a:t>
+            </a:r>
+            <a:r>
+              <a:rPr lang="en-US" dirty="0"/>
+              <a:t> </a:t>
+            </a:r>
+            <a:r>
+              <a:rPr lang="en-US" dirty="0" err="1"/>
+              <a:t>thư</a:t>
+            </a:r>
+            <a:r>
+              <a:rPr lang="en-US" dirty="0"/>
+              <a:t> </a:t>
+            </a:r>
+            <a:r>
+              <a:rPr lang="en-US" dirty="0" err="1"/>
+              <a:t>mục</a:t>
+            </a:r>
+            <a:r>
+              <a:rPr lang="en-US" dirty="0"/>
+              <a:t> </a:t>
+            </a:r>
+            <a:r>
+              <a:rPr lang="en-US" dirty="0" err="1"/>
+              <a:t>đã</a:t>
+            </a:r>
+            <a:r>
+              <a:rPr lang="en-US" dirty="0"/>
+              <a:t> </a:t>
+            </a:r>
+            <a:r>
+              <a:rPr lang="en-US" dirty="0" err="1"/>
+              <a:t>chọn</a:t>
+            </a:r>
+            <a:r>
+              <a:rPr lang="en-US" dirty="0"/>
+              <a:t> </a:t>
+            </a:r>
+            <a:r>
+              <a:rPr lang="en-US" dirty="0" err="1"/>
+              <a:t>và</a:t>
+            </a:r>
+            <a:r>
+              <a:rPr lang="en-US" dirty="0"/>
+              <a:t> </a:t>
+            </a:r>
+            <a:r>
+              <a:rPr lang="en-US" dirty="0" err="1"/>
+              <a:t>chọn</a:t>
+            </a:r>
+            <a:r>
+              <a:rPr lang="en-US" dirty="0"/>
+              <a:t> </a:t>
+            </a:r>
+            <a:r>
+              <a:rPr lang="en-US" dirty="0" err="1"/>
+              <a:t>đường</a:t>
+            </a:r>
+            <a:r>
+              <a:rPr lang="en-US" dirty="0"/>
+              <a:t> </a:t>
+            </a:r>
+            <a:r>
+              <a:rPr lang="en-US" dirty="0" err="1"/>
+              <a:t>dẫn</a:t>
+            </a:r>
+            <a:r>
+              <a:rPr lang="en-US" dirty="0"/>
+              <a:t> </a:t>
+            </a:r>
+            <a:r>
+              <a:rPr lang="en-US" dirty="0" err="1"/>
+              <a:t>để</a:t>
+            </a:r>
+            <a:r>
+              <a:rPr lang="en-US" dirty="0"/>
+              <a:t> </a:t>
+            </a:r>
+            <a:r>
+              <a:rPr lang="en-US" dirty="0" err="1" smtClean="0"/>
+              <a:t>lưu</a:t>
+            </a:r>
+            <a:r>
+              <a:rPr lang="en-US" dirty="0" smtClean="0"/>
+              <a:t> file </a:t>
+            </a:r>
+            <a:r>
+              <a:rPr lang="en-US" dirty="0" err="1"/>
+              <a:t>thư</a:t>
+            </a:r>
+            <a:r>
+              <a:rPr lang="en-US" dirty="0"/>
+              <a:t> </a:t>
+            </a:r>
+            <a:r>
+              <a:rPr lang="en-US" dirty="0" err="1"/>
+              <a:t>mục</a:t>
+            </a:r>
+            <a:r>
+              <a:rPr lang="en-US" dirty="0"/>
+              <a:t> </a:t>
+            </a:r>
+            <a:r>
+              <a:rPr lang="en-US" dirty="0" err="1"/>
+              <a:t>đã</a:t>
+            </a:r>
+            <a:r>
+              <a:rPr lang="en-US" dirty="0"/>
+              <a:t> </a:t>
+            </a:r>
+            <a:r>
+              <a:rPr lang="en-US" dirty="0" err="1" smtClean="0"/>
+              <a:t>chọn</a:t>
+            </a:r>
+            <a:endParaRPr lang="en-US" dirty="0"/>
+          </a:p>
+        </p:txBody>
+      </p:sp>
     </p:spTree>
     <p:extLst>
       <p:ext uri="{BB962C8B-B14F-4D97-AF65-F5344CB8AC3E}">
-        <p14:creationId xmlns:p14="http://schemas.microsoft.com/office/powerpoint/2010/main" val="622856384"/>
+        <p14:creationId xmlns:p14="http://schemas.microsoft.com/office/powerpoint/2010/main" val="3423837201"/>
       </p:ext>
     </p:extLst>
   </p:cSld>
@@ -4396,12 +6239,7 @@
             <p:ph type="title"/>
           </p:nvPr>
         </p:nvSpPr>
-        <p:spPr>
-          <a:xfrm>
-            <a:off x="1912620" y="441325"/>
-            <a:ext cx="10515600" cy="1325563"/>
-          </a:xfrm>
-        </p:spPr>
+        <p:spPr/>
         <p:txBody>
           <a:bodyPr>
             <a:normAutofit/>
@@ -4409,62 +6247,34 @@
           <a:lstStyle/>
           <a:p>
             <a:r>
-              <a:rPr lang="en-US" sz="1800" dirty="0" err="1"/>
-              <a:t>ToolScrip</a:t>
-            </a:r>
-            <a:r>
-              <a:rPr lang="en-US" sz="1800" dirty="0"/>
-              <a:t> </a:t>
-            </a:r>
-            <a:r>
-              <a:rPr lang="en-US" sz="1800" dirty="0" err="1"/>
-              <a:t>và</a:t>
-            </a:r>
-            <a:r>
-              <a:rPr lang="en-US" sz="1800" dirty="0"/>
-              <a:t> </a:t>
-            </a:r>
-            <a:r>
-              <a:rPr lang="en-US" sz="1800" dirty="0" err="1"/>
-              <a:t>các</a:t>
-            </a:r>
-            <a:r>
-              <a:rPr lang="en-US" sz="1800" dirty="0"/>
-              <a:t> </a:t>
-            </a:r>
-            <a:r>
-              <a:rPr lang="en-US" sz="1800" dirty="0" err="1"/>
-              <a:t>Chức</a:t>
-            </a:r>
-            <a:r>
-              <a:rPr lang="en-US" sz="1800" dirty="0"/>
-              <a:t> </a:t>
-            </a:r>
-            <a:r>
-              <a:rPr lang="en-US" sz="1800" dirty="0" err="1"/>
-              <a:t>năng</a:t>
-            </a:r>
-            <a:r>
-              <a:rPr lang="en-US" sz="1800" dirty="0"/>
-              <a:t> </a:t>
-            </a:r>
-            <a:r>
-              <a:rPr lang="en-US" sz="1800" dirty="0" err="1"/>
-              <a:t>trong</a:t>
-            </a:r>
-            <a:r>
-              <a:rPr lang="en-US" sz="1800" dirty="0"/>
-              <a:t> </a:t>
-            </a:r>
-            <a:r>
-              <a:rPr lang="en-US" sz="1800" dirty="0" err="1" smtClean="0"/>
-              <a:t>ToolScripMenu</a:t>
-            </a:r>
-            <a:r>
-              <a:rPr lang="en-US" sz="1800" dirty="0" smtClean="0"/>
-              <a:t> Mark</a:t>
-            </a:r>
-            <a:endParaRPr lang="en-US" sz="1800" dirty="0"/>
+              <a:rPr lang="en-US" sz="1800" b="1" dirty="0" smtClean="0"/>
+              <a:t>Form Search </a:t>
+            </a:r>
+            <a:r>
+              <a:rPr lang="en-US" sz="1800" b="1" dirty="0" err="1" smtClean="0"/>
+              <a:t>sau</a:t>
+            </a:r>
+            <a:r>
+              <a:rPr lang="en-US" sz="1800" b="1" dirty="0" smtClean="0"/>
+              <a:t> </a:t>
+            </a:r>
+            <a:r>
+              <a:rPr lang="en-US" sz="1800" b="1" dirty="0" err="1" smtClean="0"/>
+              <a:t>khi</a:t>
+            </a:r>
+            <a:r>
+              <a:rPr lang="en-US" sz="1800" b="1" dirty="0" smtClean="0"/>
+              <a:t> click </a:t>
+            </a:r>
+            <a:r>
+              <a:rPr lang="en-US" sz="1800" b="1" dirty="0" err="1" smtClean="0"/>
+              <a:t>ToolScripButton</a:t>
+            </a:r>
+            <a:r>
+              <a:rPr lang="en-US" sz="1800" b="1" dirty="0" smtClean="0"/>
+              <a:t> Search</a:t>
+            </a:r>
+            <a:endParaRPr lang="en-US" sz="1800" b="1" dirty="0"/>
           </a:p>
         </p:txBody>
       </p:sp>
@@ -4480,23 +6290,93 @@
         </p:nvPicPr>
         <p:blipFill rotWithShape="1">
           <a:blip r:embed="rId2"/>
-          <a:srcRect r="84969" b="83641"/>
+          <a:srcRect l="2127" t="11807" r="55221" b="41786"/>
           <a:stretch/>
         </p:blipFill>
         <p:spPr>
           <a:xfrm>
-            <a:off x="963223" y="1284605"/>
-            <a:ext cx="6290915" cy="3851275"/>
+            <a:off x="838200" y="1690688"/>
+            <a:ext cx="5448300" cy="3334410"/>
           </a:xfrm>
           <a:prstGeom prst="rect">
             <a:avLst/>
           </a:prstGeom>
         </p:spPr>
       </p:pic>
+      <p:sp>
+        <p:nvSpPr>
+          <p:cNvPr id="3" name="TextBox 2"/>
+          <p:cNvSpPr txBox="1"/>
+          <p:nvPr/>
+        </p:nvSpPr>
+        <p:spPr>
+          <a:xfrm>
+            <a:off x="7048500" y="1762125"/>
+            <a:ext cx="4305300" cy="369332"/>
+          </a:xfrm>
+          <a:prstGeom prst="rect">
+            <a:avLst/>
+          </a:prstGeom>
+          <a:noFill/>
+        </p:spPr>
+        <p:txBody>
+          <a:bodyPr wrap="square" rtlCol="0">
+            <a:spAutoFit/>
+          </a:bodyPr>
+          <a:lstStyle/>
+          <a:p>
+            <a:r>
+              <a:rPr lang="en-US" dirty="0" err="1"/>
+              <a:t>Tìm</a:t>
+            </a:r>
+            <a:r>
+              <a:rPr lang="en-US" dirty="0"/>
+              <a:t> </a:t>
+            </a:r>
+            <a:r>
+              <a:rPr lang="en-US" dirty="0" err="1"/>
+              <a:t>kiếm</a:t>
+            </a:r>
+            <a:r>
+              <a:rPr lang="en-US" dirty="0"/>
+              <a:t> </a:t>
+            </a:r>
+            <a:r>
+              <a:rPr lang="en-US" dirty="0" err="1"/>
+              <a:t>các</a:t>
+            </a:r>
+            <a:r>
+              <a:rPr lang="en-US" dirty="0"/>
+              <a:t> </a:t>
+            </a:r>
+            <a:r>
+              <a:rPr lang="en-US" dirty="0" err="1"/>
+              <a:t>tập</a:t>
+            </a:r>
+            <a:r>
+              <a:rPr lang="en-US" dirty="0"/>
+              <a:t> tin, </a:t>
+            </a:r>
+            <a:r>
+              <a:rPr lang="en-US" dirty="0" err="1"/>
+              <a:t>thư</a:t>
+            </a:r>
+            <a:r>
+              <a:rPr lang="en-US" dirty="0"/>
+              <a:t> </a:t>
+            </a:r>
+            <a:r>
+              <a:rPr lang="en-US" dirty="0" err="1"/>
+              <a:t>mục</a:t>
+            </a:r>
+            <a:endParaRPr lang="en-US" dirty="0"/>
+          </a:p>
+        </p:txBody>
+      </p:sp>
     </p:spTree>
     <p:extLst>
       <p:ext uri="{BB962C8B-B14F-4D97-AF65-F5344CB8AC3E}">
-        <p14:creationId xmlns:p14="http://schemas.microsoft.com/office/powerpoint/2010/main" val="3695295935"/>
+        <p14:creationId xmlns:p14="http://schemas.microsoft.com/office/powerpoint/2010/main" val="3904714062"/>
       </p:ext>
     </p:extLst>
   </p:cSld>
@@ -4533,7 +6413,12 @@
             <p:ph type="title"/>
           </p:nvPr>
         </p:nvSpPr>
-        <p:spPr/>
+        <p:spPr>
+          <a:xfrm>
+            <a:off x="838200" y="365126"/>
+            <a:ext cx="5124450" cy="1035050"/>
+          </a:xfrm>
+        </p:spPr>
         <p:txBody>
           <a:bodyPr>
             <a:normAutofit/>
@@ -4541,68 +6426,68 @@
           <a:lstStyle/>
           <a:p>
             <a:r>
-              <a:rPr lang="en-US" sz="1800" dirty="0" err="1"/>
+              <a:rPr lang="en-US" sz="1800" b="1" dirty="0" err="1" smtClean="0"/>
               <a:t>ToolScrip</a:t>
             </a:r>
             <a:r>
-              <a:rPr lang="en-US" sz="1800" dirty="0"/>
-              <a:t> </a:t>
-            </a:r>
-            <a:r>
-              <a:rPr lang="en-US" sz="1800" dirty="0" err="1"/>
+              <a:rPr lang="en-US" sz="1800" b="1" dirty="0" smtClean="0"/>
+              <a:t> </a:t>
+            </a:r>
+            <a:r>
+              <a:rPr lang="en-US" sz="1800" b="1" dirty="0" err="1" smtClean="0"/>
               <a:t>và</a:t>
             </a:r>
             <a:r>
-              <a:rPr lang="en-US" sz="1800" dirty="0"/>
-              <a:t> </a:t>
-            </a:r>
-            <a:r>
-              <a:rPr lang="en-US" sz="1800" dirty="0" err="1"/>
+              <a:rPr lang="en-US" sz="1800" b="1" dirty="0" smtClean="0"/>
+              <a:t> </a:t>
+            </a:r>
+            <a:r>
+              <a:rPr lang="en-US" sz="1800" b="1" dirty="0" err="1" smtClean="0"/>
               <a:t>các</a:t>
             </a:r>
             <a:r>
-              <a:rPr lang="en-US" sz="1800" dirty="0"/>
-              <a:t> </a:t>
-            </a:r>
-            <a:r>
-              <a:rPr lang="en-US" sz="1800" dirty="0" err="1"/>
+              <a:rPr lang="en-US" sz="1800" b="1" dirty="0" smtClean="0"/>
+              <a:t> </a:t>
+            </a:r>
+            <a:r>
+              <a:rPr lang="en-US" sz="1800" b="1" dirty="0" err="1" smtClean="0"/>
               <a:t>Chức</a:t>
             </a:r>
             <a:r>
-              <a:rPr lang="en-US" sz="1800" dirty="0"/>
-              <a:t> </a:t>
-            </a:r>
-            <a:r>
-              <a:rPr lang="en-US" sz="1800" dirty="0" err="1"/>
+              <a:rPr lang="en-US" sz="1800" b="1" dirty="0" smtClean="0"/>
+              <a:t> </a:t>
+            </a:r>
+            <a:r>
+              <a:rPr lang="en-US" sz="1800" b="1" dirty="0" err="1" smtClean="0"/>
               <a:t>năng</a:t>
             </a:r>
             <a:r>
-              <a:rPr lang="en-US" sz="1800" dirty="0"/>
-              <a:t> </a:t>
-            </a:r>
-            <a:r>
-              <a:rPr lang="en-US" sz="1800" dirty="0" err="1"/>
+              <a:rPr lang="en-US" sz="1800" b="1" dirty="0" smtClean="0"/>
+              <a:t> </a:t>
+            </a:r>
+            <a:r>
+              <a:rPr lang="en-US" sz="1800" b="1" dirty="0" err="1" smtClean="0"/>
               <a:t>trong</a:t>
             </a:r>
             <a:r>
-              <a:rPr lang="en-US" sz="1800" dirty="0"/>
-              <a:t> </a:t>
-            </a:r>
-            <a:r>
-              <a:rPr lang="en-US" sz="1800" dirty="0" err="1" smtClean="0"/>
+              <a:rPr lang="en-US" sz="1800" b="1" dirty="0" smtClean="0"/>
+              <a:t> </a:t>
+            </a:r>
+            <a:r>
+              <a:rPr lang="en-US" sz="1800" b="1" dirty="0" err="1" smtClean="0"/>
               <a:t>ToolScripMenu</a:t>
             </a:r>
             <a:r>
-              <a:rPr lang="en-US" sz="1800" dirty="0" smtClean="0"/>
-              <a:t> Language</a:t>
-            </a:r>
-            <a:endParaRPr lang="en-US" sz="1800" dirty="0"/>
+              <a:rPr lang="en-US" sz="1800" b="1" dirty="0" smtClean="0"/>
+              <a:t> File</a:t>
+            </a:r>
+            <a:endParaRPr lang="en-US" sz="1800" b="1" dirty="0"/>
           </a:p>
         </p:txBody>
       </p:sp>
       <p:pic>
         <p:nvPicPr>
-          <p:cNvPr id="5" name="Content Placeholder 4"/>
+          <p:cNvPr id="4" name="Content Placeholder 3"/>
           <p:cNvPicPr>
             <a:picLocks noGrp="1" noChangeAspect="1"/>
           </p:cNvPicPr>
@@ -4612,23 +6497,186 @@
         </p:nvPicPr>
         <p:blipFill rotWithShape="1">
           <a:blip r:embed="rId2"/>
-          <a:srcRect r="85856" b="68406"/>
+          <a:srcRect r="90387" b="83291"/>
           <a:stretch/>
         </p:blipFill>
         <p:spPr>
           <a:xfrm>
-            <a:off x="1054664" y="1690688"/>
-            <a:ext cx="3570676" cy="3509806"/>
+            <a:off x="986084" y="1327150"/>
+            <a:ext cx="4637476" cy="4534076"/>
           </a:xfrm>
           <a:prstGeom prst="rect">
             <a:avLst/>
           </a:prstGeom>
         </p:spPr>
       </p:pic>
+      <p:sp>
+        <p:nvSpPr>
+          <p:cNvPr id="3" name="TextBox 2"/>
+          <p:cNvSpPr txBox="1"/>
+          <p:nvPr/>
+        </p:nvSpPr>
+        <p:spPr>
+          <a:xfrm>
+            <a:off x="6591299" y="2428875"/>
+            <a:ext cx="4981575" cy="1200329"/>
+          </a:xfrm>
+          <a:prstGeom prst="rect">
+            <a:avLst/>
+          </a:prstGeom>
+          <a:noFill/>
+        </p:spPr>
+        <p:txBody>
+          <a:bodyPr wrap="square" rtlCol="0">
+            <a:spAutoFit/>
+          </a:bodyPr>
+          <a:lstStyle/>
+          <a:p>
+            <a:r>
+              <a:rPr lang="en-US" dirty="0" smtClean="0"/>
+              <a:t>-Button Rename: </a:t>
+            </a:r>
+            <a:r>
+              <a:rPr lang="en-US" dirty="0" err="1" smtClean="0"/>
+              <a:t>Đổi</a:t>
+            </a:r>
+            <a:r>
+              <a:rPr lang="en-US" dirty="0" smtClean="0"/>
+              <a:t> </a:t>
+            </a:r>
+            <a:r>
+              <a:rPr lang="en-US" dirty="0" err="1" smtClean="0"/>
+              <a:t>tên</a:t>
+            </a:r>
+            <a:r>
+              <a:rPr lang="en-US" dirty="0" smtClean="0"/>
+              <a:t> File </a:t>
+            </a:r>
+            <a:r>
+              <a:rPr lang="en-US" dirty="0" err="1" smtClean="0"/>
+              <a:t>hoặc</a:t>
+            </a:r>
+            <a:r>
+              <a:rPr lang="en-US" dirty="0" smtClean="0"/>
+              <a:t> Folder </a:t>
+            </a:r>
+            <a:r>
+              <a:rPr lang="en-US" dirty="0" err="1" smtClean="0"/>
+              <a:t>đã</a:t>
+            </a:r>
+            <a:r>
+              <a:rPr lang="en-US" dirty="0" smtClean="0"/>
+              <a:t> </a:t>
+            </a:r>
+            <a:r>
+              <a:rPr lang="en-US" dirty="0" err="1" smtClean="0"/>
+              <a:t>chọn</a:t>
+            </a:r>
+            <a:endParaRPr lang="en-US" dirty="0" smtClean="0"/>
+          </a:p>
+          <a:p>
+            <a:r>
+              <a:rPr lang="en-US" dirty="0" smtClean="0"/>
+              <a:t>-Button Copy: Copy File </a:t>
+            </a:r>
+            <a:r>
+              <a:rPr lang="en-US" dirty="0" err="1" smtClean="0"/>
+              <a:t>hoặc</a:t>
+            </a:r>
+            <a:r>
+              <a:rPr lang="en-US" dirty="0" smtClean="0"/>
+              <a:t> Folder </a:t>
+            </a:r>
+            <a:r>
+              <a:rPr lang="en-US" dirty="0" err="1" smtClean="0"/>
+              <a:t>đã</a:t>
+            </a:r>
+            <a:r>
+              <a:rPr lang="en-US" dirty="0" smtClean="0"/>
+              <a:t> </a:t>
+            </a:r>
+            <a:r>
+              <a:rPr lang="en-US" dirty="0" err="1" smtClean="0"/>
+              <a:t>chọn</a:t>
+            </a:r>
+            <a:endParaRPr lang="en-US" dirty="0" smtClean="0"/>
+          </a:p>
+          <a:p>
+            <a:r>
+              <a:rPr lang="en-US" dirty="0" smtClean="0"/>
+              <a:t>-Button Move: Di </a:t>
+            </a:r>
+            <a:r>
+              <a:rPr lang="en-US" dirty="0" err="1" smtClean="0"/>
+              <a:t>chuyển</a:t>
+            </a:r>
+            <a:r>
+              <a:rPr lang="en-US" dirty="0" smtClean="0"/>
+              <a:t> File </a:t>
+            </a:r>
+            <a:r>
+              <a:rPr lang="en-US" dirty="0" err="1" smtClean="0"/>
+              <a:t>hoặc</a:t>
+            </a:r>
+            <a:r>
+              <a:rPr lang="en-US" dirty="0" smtClean="0"/>
+              <a:t> Folder </a:t>
+            </a:r>
+            <a:r>
+              <a:rPr lang="en-US" dirty="0" err="1" smtClean="0"/>
+              <a:t>đã</a:t>
+            </a:r>
+            <a:r>
+              <a:rPr lang="en-US" dirty="0" smtClean="0"/>
+              <a:t> </a:t>
+            </a:r>
+            <a:r>
+              <a:rPr lang="en-US" dirty="0" err="1" smtClean="0"/>
+              <a:t>chọn</a:t>
+            </a:r>
+            <a:endParaRPr lang="en-US" dirty="0" smtClean="0"/>
+          </a:p>
+          <a:p>
+            <a:r>
+              <a:rPr lang="en-US" dirty="0" smtClean="0"/>
+              <a:t>-Button Quit: </a:t>
+            </a:r>
+            <a:r>
+              <a:rPr lang="en-US" dirty="0" err="1" smtClean="0"/>
+              <a:t>Thoát</a:t>
+            </a:r>
+            <a:r>
+              <a:rPr lang="en-US" dirty="0" smtClean="0"/>
+              <a:t> </a:t>
+            </a:r>
+            <a:r>
+              <a:rPr lang="en-US" dirty="0" err="1" smtClean="0"/>
+              <a:t>Khỏi</a:t>
+            </a:r>
+            <a:r>
+              <a:rPr lang="en-US" dirty="0" smtClean="0"/>
+              <a:t> </a:t>
+            </a:r>
+            <a:r>
+              <a:rPr lang="en-US" dirty="0" err="1" smtClean="0"/>
+              <a:t>Phần</a:t>
+            </a:r>
+            <a:r>
+              <a:rPr lang="en-US" dirty="0" smtClean="0"/>
+              <a:t> </a:t>
+            </a:r>
+            <a:r>
+              <a:rPr lang="en-US" dirty="0" err="1" smtClean="0"/>
+              <a:t>mềm</a:t>
+            </a:r>
+            <a:endParaRPr lang="en-US" dirty="0"/>
+          </a:p>
+        </p:txBody>
+      </p:sp>
     </p:spTree>
     <p:extLst>
       <p:ext uri="{BB962C8B-B14F-4D97-AF65-F5344CB8AC3E}">
-        <p14:creationId xmlns:p14="http://schemas.microsoft.com/office/powerpoint/2010/main" val="2410728299"/>
+        <p14:creationId xmlns:p14="http://schemas.microsoft.com/office/powerpoint/2010/main" val="622856384"/>
       </p:ext>
     </p:extLst>
   </p:cSld>
@@ -4665,7 +6713,12 @@
             <p:ph type="title"/>
           </p:nvPr>
         </p:nvSpPr>
-        <p:spPr/>
+        <p:spPr>
+          <a:xfrm>
+            <a:off x="963223" y="0"/>
+            <a:ext cx="6290915" cy="1325563"/>
+          </a:xfrm>
+        </p:spPr>
         <p:txBody>
           <a:bodyPr>
             <a:normAutofit/>
@@ -4673,65 +6726,62 @@
           <a:lstStyle/>
           <a:p>
             <a:r>
-              <a:rPr lang="en-US" sz="1800" dirty="0" err="1"/>
+              <a:rPr lang="en-US" sz="1800" b="1" dirty="0" err="1"/>
               <a:t>ToolScrip</a:t>
             </a:r>
             <a:r>
-              <a:rPr lang="en-US" sz="1800" dirty="0"/>
-              <a:t> </a:t>
-            </a:r>
-            <a:r>
-              <a:rPr lang="en-US" sz="1800" dirty="0" err="1"/>
+              <a:rPr lang="en-US" sz="1800" b="1" dirty="0"/>
+              <a:t> </a:t>
+            </a:r>
+            <a:r>
+              <a:rPr lang="en-US" sz="1800" b="1" dirty="0" err="1"/>
               <a:t>và</a:t>
             </a:r>
             <a:r>
-              <a:rPr lang="en-US" sz="1800" dirty="0"/>
-              <a:t> </a:t>
-            </a:r>
-            <a:r>
-              <a:rPr lang="en-US" sz="1800" dirty="0" err="1"/>
+              <a:rPr lang="en-US" sz="1800" b="1" dirty="0"/>
+              <a:t> </a:t>
+            </a:r>
+            <a:r>
+              <a:rPr lang="en-US" sz="1800" b="1" dirty="0" err="1"/>
               <a:t>các</a:t>
             </a:r>
             <a:r>
-              <a:rPr lang="en-US" sz="1800" dirty="0"/>
-              <a:t> </a:t>
-            </a:r>
-            <a:r>
-              <a:rPr lang="en-US" sz="1800" dirty="0" err="1"/>
+              <a:rPr lang="en-US" sz="1800" b="1" dirty="0"/>
+              <a:t> </a:t>
+            </a:r>
+            <a:r>
+              <a:rPr lang="en-US" sz="1800" b="1" dirty="0" err="1"/>
               <a:t>Chức</a:t>
             </a:r>
             <a:r>
-              <a:rPr lang="en-US" sz="1800" dirty="0"/>
-              <a:t> </a:t>
-            </a:r>
-            <a:r>
-              <a:rPr lang="en-US" sz="1800" dirty="0" err="1"/>
+              <a:rPr lang="en-US" sz="1800" b="1" dirty="0"/>
+              <a:t> </a:t>
+            </a:r>
+            <a:r>
+              <a:rPr lang="en-US" sz="1800" b="1" dirty="0" err="1"/>
               <a:t>năng</a:t>
             </a:r>
             <a:r>
-              <a:rPr lang="en-US" sz="1800" dirty="0"/>
-              <a:t> </a:t>
-            </a:r>
-            <a:r>
-              <a:rPr lang="en-US" sz="1800" dirty="0" err="1"/>
+              <a:rPr lang="en-US" sz="1800" b="1" dirty="0"/>
+              <a:t> </a:t>
+            </a:r>
+            <a:r>
+              <a:rPr lang="en-US" sz="1800" b="1" dirty="0" err="1"/>
               <a:t>trong</a:t>
             </a:r>
             <a:r>
-              <a:rPr lang="en-US" sz="1800" dirty="0"/>
-              <a:t> </a:t>
-            </a:r>
-            <a:r>
-              <a:rPr lang="en-US" sz="1800" dirty="0" err="1" smtClean="0"/>
+              <a:rPr lang="en-US" sz="1800" b="1" dirty="0"/>
+              <a:t> </a:t>
+            </a:r>
+            <a:r>
+              <a:rPr lang="en-US" sz="1800" b="1" dirty="0" err="1" smtClean="0"/>
               <a:t>ToolScripMenu</a:t>
             </a:r>
             <a:r>
-              <a:rPr lang="en-US" sz="1800" dirty="0" smtClean="0"/>
-              <a:t> </a:t>
-            </a:r>
-            <a:r>
-              <a:rPr lang="en-US" sz="1800" dirty="0"/>
-              <a:t>Language</a:t>
-            </a:r>
+              <a:rPr lang="en-US" sz="1800" b="1" dirty="0" smtClean="0"/>
+              <a:t> Mark</a:t>
+            </a:r>
+            <a:endParaRPr lang="en-US" sz="1800" b="1" dirty="0"/>
           </a:p>
         </p:txBody>
       </p:sp>
@@ -4747,23 +6797,490 @@
         </p:nvPicPr>
         <p:blipFill rotWithShape="1">
           <a:blip r:embed="rId2"/>
-          <a:srcRect r="78763" b="82240"/>
+          <a:srcRect r="84969" b="83641"/>
           <a:stretch/>
         </p:blipFill>
         <p:spPr>
           <a:xfrm>
-            <a:off x="2228144" y="1825625"/>
-            <a:ext cx="7182764" cy="3378835"/>
+            <a:off x="1048948" y="1236980"/>
+            <a:ext cx="6290915" cy="3851275"/>
           </a:xfrm>
           <a:prstGeom prst="rect">
             <a:avLst/>
           </a:prstGeom>
         </p:spPr>
       </p:pic>
+      <p:sp>
+        <p:nvSpPr>
+          <p:cNvPr id="5" name="TextBox 4"/>
+          <p:cNvSpPr txBox="1"/>
+          <p:nvPr/>
+        </p:nvSpPr>
+        <p:spPr>
+          <a:xfrm>
+            <a:off x="7458075" y="1847850"/>
+            <a:ext cx="4438650" cy="2862322"/>
+          </a:xfrm>
+          <a:prstGeom prst="rect">
+            <a:avLst/>
+          </a:prstGeom>
+          <a:noFill/>
+        </p:spPr>
+        <p:txBody>
+          <a:bodyPr wrap="square" rtlCol="0">
+            <a:spAutoFit/>
+          </a:bodyPr>
+          <a:lstStyle/>
+          <a:p>
+            <a:r>
+              <a:rPr lang="en-US" dirty="0"/>
+              <a:t>-Button </a:t>
+            </a:r>
+            <a:r>
+              <a:rPr lang="en-US" dirty="0" smtClean="0"/>
+              <a:t>Select All: </a:t>
+            </a:r>
+            <a:r>
+              <a:rPr lang="en-US" dirty="0" err="1" smtClean="0"/>
+              <a:t>Chọn</a:t>
+            </a:r>
+            <a:r>
+              <a:rPr lang="en-US" dirty="0" smtClean="0"/>
+              <a:t> </a:t>
+            </a:r>
+            <a:r>
+              <a:rPr lang="en-US" dirty="0" err="1" smtClean="0"/>
+              <a:t>tất</a:t>
+            </a:r>
+            <a:r>
+              <a:rPr lang="en-US" dirty="0" smtClean="0"/>
+              <a:t> </a:t>
+            </a:r>
+            <a:r>
+              <a:rPr lang="en-US" dirty="0" err="1" smtClean="0"/>
+              <a:t>cả</a:t>
+            </a:r>
+            <a:r>
+              <a:rPr lang="en-US" dirty="0" smtClean="0"/>
+              <a:t> </a:t>
+            </a:r>
+            <a:r>
+              <a:rPr lang="en-US" dirty="0" err="1" smtClean="0"/>
+              <a:t>các</a:t>
+            </a:r>
+            <a:r>
+              <a:rPr lang="en-US" dirty="0" smtClean="0"/>
+              <a:t> File </a:t>
+            </a:r>
+            <a:r>
+              <a:rPr lang="en-US" dirty="0" err="1" smtClean="0"/>
+              <a:t>hoặc</a:t>
+            </a:r>
+            <a:r>
+              <a:rPr lang="en-US" dirty="0" smtClean="0"/>
+              <a:t> Folder </a:t>
+            </a:r>
+            <a:r>
+              <a:rPr lang="en-US" dirty="0" err="1" smtClean="0"/>
+              <a:t>trong</a:t>
+            </a:r>
+            <a:r>
+              <a:rPr lang="en-US" dirty="0" smtClean="0"/>
+              <a:t> ổ </a:t>
+            </a:r>
+            <a:r>
+              <a:rPr lang="en-US" dirty="0" err="1" smtClean="0"/>
+              <a:t>đĩa</a:t>
+            </a:r>
+            <a:r>
+              <a:rPr lang="en-US" dirty="0" smtClean="0"/>
+              <a:t> </a:t>
+            </a:r>
+            <a:r>
+              <a:rPr lang="en-US" dirty="0" err="1" smtClean="0"/>
+              <a:t>hiện</a:t>
+            </a:r>
+            <a:r>
+              <a:rPr lang="en-US" dirty="0" smtClean="0"/>
+              <a:t> </a:t>
+            </a:r>
+            <a:r>
+              <a:rPr lang="en-US" dirty="0" err="1" smtClean="0"/>
+              <a:t>hành</a:t>
+            </a:r>
+            <a:endParaRPr lang="en-US" dirty="0" smtClean="0"/>
+          </a:p>
+          <a:p>
+            <a:r>
+              <a:rPr lang="en-US" dirty="0" smtClean="0"/>
+              <a:t>-Button Unselect All: </a:t>
+            </a:r>
+            <a:r>
+              <a:rPr lang="en-US" dirty="0" err="1" smtClean="0"/>
+              <a:t>Bỏ</a:t>
+            </a:r>
+            <a:r>
+              <a:rPr lang="en-US" dirty="0" smtClean="0"/>
+              <a:t> </a:t>
+            </a:r>
+            <a:r>
+              <a:rPr lang="en-US" dirty="0" err="1" smtClean="0"/>
+              <a:t>chọn</a:t>
+            </a:r>
+            <a:r>
+              <a:rPr lang="en-US" dirty="0" smtClean="0"/>
+              <a:t> </a:t>
+            </a:r>
+            <a:r>
+              <a:rPr lang="en-US" dirty="0" err="1"/>
+              <a:t>tất</a:t>
+            </a:r>
+            <a:r>
+              <a:rPr lang="en-US" dirty="0"/>
+              <a:t> </a:t>
+            </a:r>
+            <a:r>
+              <a:rPr lang="en-US" dirty="0" err="1"/>
+              <a:t>cả</a:t>
+            </a:r>
+            <a:r>
+              <a:rPr lang="en-US" dirty="0"/>
+              <a:t> </a:t>
+            </a:r>
+            <a:r>
+              <a:rPr lang="en-US" dirty="0" err="1"/>
+              <a:t>các</a:t>
+            </a:r>
+            <a:r>
+              <a:rPr lang="en-US" dirty="0"/>
+              <a:t> File </a:t>
+            </a:r>
+            <a:r>
+              <a:rPr lang="en-US" dirty="0" err="1"/>
+              <a:t>hoặc</a:t>
+            </a:r>
+            <a:r>
+              <a:rPr lang="en-US" dirty="0"/>
+              <a:t> Folder </a:t>
+            </a:r>
+            <a:r>
+              <a:rPr lang="en-US" dirty="0" err="1"/>
+              <a:t>trong</a:t>
+            </a:r>
+            <a:r>
+              <a:rPr lang="en-US" dirty="0"/>
+              <a:t> ổ </a:t>
+            </a:r>
+            <a:r>
+              <a:rPr lang="en-US" dirty="0" err="1"/>
+              <a:t>đĩa</a:t>
+            </a:r>
+            <a:r>
+              <a:rPr lang="en-US" dirty="0"/>
+              <a:t> </a:t>
+            </a:r>
+            <a:r>
+              <a:rPr lang="en-US" dirty="0" err="1"/>
+              <a:t>hiện</a:t>
+            </a:r>
+            <a:r>
+              <a:rPr lang="en-US" dirty="0"/>
+              <a:t> </a:t>
+            </a:r>
+            <a:r>
+              <a:rPr lang="en-US" dirty="0" err="1"/>
+              <a:t>hành</a:t>
+            </a:r>
+            <a:r>
+              <a:rPr lang="en-US" dirty="0"/>
+              <a:t> </a:t>
+            </a:r>
+            <a:endParaRPr lang="en-US" dirty="0" smtClean="0"/>
+          </a:p>
+          <a:p>
+            <a:r>
+              <a:rPr lang="en-US" dirty="0" smtClean="0"/>
+              <a:t>-Button Invert </a:t>
+            </a:r>
+            <a:r>
+              <a:rPr lang="en-US" dirty="0" err="1" smtClean="0"/>
+              <a:t>selectionBỏ</a:t>
+            </a:r>
+            <a:r>
+              <a:rPr lang="en-US" dirty="0" smtClean="0"/>
+              <a:t> </a:t>
+            </a:r>
+            <a:r>
+              <a:rPr lang="en-US" dirty="0" err="1" smtClean="0"/>
+              <a:t>chọn</a:t>
+            </a:r>
+            <a:r>
+              <a:rPr lang="en-US" dirty="0" smtClean="0"/>
+              <a:t> </a:t>
+            </a:r>
+            <a:r>
+              <a:rPr lang="en-US" dirty="0" err="1" smtClean="0"/>
+              <a:t>tất</a:t>
+            </a:r>
+            <a:r>
+              <a:rPr lang="en-US" dirty="0" smtClean="0"/>
+              <a:t> </a:t>
+            </a:r>
+            <a:r>
+              <a:rPr lang="en-US" dirty="0" err="1" smtClean="0"/>
+              <a:t>cả</a:t>
+            </a:r>
+            <a:r>
+              <a:rPr lang="en-US" dirty="0" smtClean="0"/>
+              <a:t> </a:t>
+            </a:r>
+            <a:r>
+              <a:rPr lang="en-US" dirty="0" err="1" smtClean="0"/>
+              <a:t>các</a:t>
+            </a:r>
+            <a:r>
+              <a:rPr lang="en-US" dirty="0" smtClean="0"/>
+              <a:t> File </a:t>
+            </a:r>
+            <a:r>
+              <a:rPr lang="en-US" dirty="0" err="1" smtClean="0"/>
+              <a:t>hoặc</a:t>
+            </a:r>
+            <a:r>
+              <a:rPr lang="en-US" dirty="0" smtClean="0"/>
+              <a:t> Folder </a:t>
+            </a:r>
+            <a:r>
+              <a:rPr lang="en-US" dirty="0" err="1" smtClean="0"/>
+              <a:t>đang</a:t>
+            </a:r>
+            <a:r>
+              <a:rPr lang="en-US" dirty="0" smtClean="0"/>
+              <a:t> </a:t>
+            </a:r>
+            <a:r>
+              <a:rPr lang="en-US" dirty="0" err="1" smtClean="0"/>
+              <a:t>được</a:t>
+            </a:r>
+            <a:r>
+              <a:rPr lang="en-US" dirty="0" smtClean="0"/>
+              <a:t> </a:t>
+            </a:r>
+            <a:r>
+              <a:rPr lang="en-US" dirty="0" err="1" smtClean="0"/>
+              <a:t>chọn</a:t>
+            </a:r>
+            <a:r>
+              <a:rPr lang="en-US" dirty="0" smtClean="0"/>
+              <a:t> </a:t>
+            </a:r>
+            <a:r>
+              <a:rPr lang="en-US" dirty="0" err="1" smtClean="0"/>
+              <a:t>và</a:t>
+            </a:r>
+            <a:r>
+              <a:rPr lang="en-US" dirty="0" smtClean="0"/>
+              <a:t> </a:t>
+            </a:r>
+            <a:r>
+              <a:rPr lang="en-US" dirty="0" err="1" smtClean="0"/>
+              <a:t>chọn</a:t>
+            </a:r>
+            <a:r>
+              <a:rPr lang="en-US" dirty="0" smtClean="0"/>
+              <a:t> </a:t>
+            </a:r>
+            <a:r>
+              <a:rPr lang="en-US" dirty="0" err="1" smtClean="0"/>
+              <a:t>tất</a:t>
+            </a:r>
+            <a:r>
+              <a:rPr lang="en-US" dirty="0" smtClean="0"/>
+              <a:t> </a:t>
+            </a:r>
+            <a:r>
+              <a:rPr lang="en-US" dirty="0" err="1" smtClean="0"/>
+              <a:t>cả</a:t>
+            </a:r>
+            <a:r>
+              <a:rPr lang="en-US" dirty="0" smtClean="0"/>
+              <a:t> </a:t>
+            </a:r>
+            <a:r>
+              <a:rPr lang="en-US" dirty="0" err="1" smtClean="0"/>
+              <a:t>các</a:t>
+            </a:r>
+            <a:r>
+              <a:rPr lang="en-US" dirty="0" smtClean="0"/>
+              <a:t> File </a:t>
+            </a:r>
+            <a:r>
+              <a:rPr lang="en-US" dirty="0" err="1" smtClean="0"/>
+              <a:t>hoặc</a:t>
+            </a:r>
+            <a:r>
+              <a:rPr lang="en-US" dirty="0" smtClean="0"/>
+              <a:t> Folder </a:t>
+            </a:r>
+            <a:r>
+              <a:rPr lang="en-US" dirty="0" err="1" smtClean="0"/>
+              <a:t>trên</a:t>
+            </a:r>
+            <a:r>
+              <a:rPr lang="en-US" dirty="0" smtClean="0"/>
+              <a:t> ổ </a:t>
+            </a:r>
+            <a:r>
+              <a:rPr lang="en-US" dirty="0" err="1" smtClean="0"/>
+              <a:t>đĩa</a:t>
+            </a:r>
+            <a:r>
+              <a:rPr lang="en-US" dirty="0" smtClean="0"/>
+              <a:t> </a:t>
+            </a:r>
+            <a:r>
+              <a:rPr lang="en-US" dirty="0" err="1" smtClean="0"/>
+              <a:t>hiện</a:t>
+            </a:r>
+            <a:r>
+              <a:rPr lang="en-US" dirty="0" smtClean="0"/>
+              <a:t> </a:t>
+            </a:r>
+            <a:r>
+              <a:rPr lang="en-US" dirty="0" err="1" smtClean="0"/>
+              <a:t>hành</a:t>
+            </a:r>
+            <a:endParaRPr lang="en-US" dirty="0" smtClean="0"/>
+          </a:p>
+          <a:p>
+            <a:r>
+              <a:rPr lang="en-US" dirty="0" smtClean="0"/>
+              <a:t>-Button Select All With Same </a:t>
+            </a:r>
+            <a:r>
+              <a:rPr lang="en-US" dirty="0" err="1" smtClean="0"/>
+              <a:t>Extension:Chọn</a:t>
+            </a:r>
+            <a:r>
+              <a:rPr lang="en-US" dirty="0" smtClean="0"/>
+              <a:t> </a:t>
+            </a:r>
+            <a:r>
+              <a:rPr lang="en-US" dirty="0" err="1" smtClean="0"/>
+              <a:t>tất</a:t>
+            </a:r>
+            <a:r>
+              <a:rPr lang="en-US" dirty="0" smtClean="0"/>
+              <a:t> </a:t>
+            </a:r>
+            <a:r>
+              <a:rPr lang="en-US" dirty="0" err="1" smtClean="0"/>
+              <a:t>cả</a:t>
+            </a:r>
+            <a:r>
+              <a:rPr lang="en-US" dirty="0" smtClean="0"/>
+              <a:t> </a:t>
+            </a:r>
+            <a:r>
+              <a:rPr lang="en-US" dirty="0" err="1" smtClean="0"/>
+              <a:t>các</a:t>
+            </a:r>
+            <a:r>
+              <a:rPr lang="en-US" dirty="0" smtClean="0"/>
+              <a:t> </a:t>
+            </a:r>
+            <a:r>
+              <a:rPr lang="en-US" dirty="0" err="1" smtClean="0"/>
+              <a:t>đối</a:t>
+            </a:r>
+            <a:r>
+              <a:rPr lang="en-US" dirty="0" smtClean="0"/>
+              <a:t> </a:t>
+            </a:r>
+            <a:r>
+              <a:rPr lang="en-US" dirty="0" err="1" smtClean="0"/>
+              <a:t>tượng</a:t>
+            </a:r>
+            <a:r>
+              <a:rPr lang="en-US" dirty="0" smtClean="0"/>
+              <a:t>  </a:t>
+            </a:r>
+            <a:r>
+              <a:rPr lang="en-US" dirty="0" err="1" smtClean="0"/>
+              <a:t>có</a:t>
+            </a:r>
+            <a:r>
+              <a:rPr lang="en-US" dirty="0" smtClean="0"/>
+              <a:t> </a:t>
+            </a:r>
+            <a:r>
+              <a:rPr lang="en-US" dirty="0" err="1" smtClean="0"/>
+              <a:t>phần</a:t>
+            </a:r>
+            <a:r>
+              <a:rPr lang="en-US" dirty="0" smtClean="0"/>
+              <a:t> </a:t>
+            </a:r>
+            <a:r>
+              <a:rPr lang="en-US" dirty="0" err="1" smtClean="0"/>
+              <a:t>mở</a:t>
+            </a:r>
+            <a:r>
+              <a:rPr lang="en-US" dirty="0" smtClean="0"/>
+              <a:t> </a:t>
+            </a:r>
+            <a:r>
+              <a:rPr lang="en-US" dirty="0" err="1" smtClean="0"/>
+              <a:t>rộng</a:t>
+            </a:r>
+            <a:r>
+              <a:rPr lang="en-US" dirty="0" smtClean="0"/>
+              <a:t> </a:t>
+            </a:r>
+            <a:r>
+              <a:rPr lang="en-US" dirty="0" err="1" smtClean="0"/>
+              <a:t>giống</a:t>
+            </a:r>
+            <a:r>
+              <a:rPr lang="en-US" dirty="0" smtClean="0"/>
+              <a:t> </a:t>
+            </a:r>
+            <a:r>
+              <a:rPr lang="en-US" dirty="0" err="1" smtClean="0"/>
+              <a:t>đối</a:t>
+            </a:r>
+            <a:r>
+              <a:rPr lang="en-US" dirty="0" smtClean="0"/>
+              <a:t> </a:t>
+            </a:r>
+            <a:r>
+              <a:rPr lang="en-US" dirty="0" err="1" smtClean="0"/>
+              <a:t>tượng</a:t>
+            </a:r>
+            <a:r>
+              <a:rPr lang="en-US" dirty="0" smtClean="0"/>
+              <a:t> </a:t>
+            </a:r>
+            <a:r>
+              <a:rPr lang="en-US" dirty="0" err="1" smtClean="0"/>
+              <a:t>được</a:t>
+            </a:r>
+            <a:r>
+              <a:rPr lang="en-US" dirty="0" smtClean="0"/>
+              <a:t> </a:t>
+            </a:r>
+            <a:r>
+              <a:rPr lang="en-US" dirty="0" err="1" smtClean="0"/>
+              <a:t>chọn</a:t>
+            </a:r>
+            <a:endParaRPr lang="en-US" dirty="0"/>
+          </a:p>
+        </p:txBody>
+      </p:sp>
     </p:spTree>
     <p:extLst>
       <p:ext uri="{BB962C8B-B14F-4D97-AF65-F5344CB8AC3E}">
-        <p14:creationId xmlns:p14="http://schemas.microsoft.com/office/powerpoint/2010/main" val="1219937400"/>
+        <p14:creationId xmlns:p14="http://schemas.microsoft.com/office/powerpoint/2010/main" val="3695295935"/>
       </p:ext>
     </p:extLst>
   </p:cSld>
